--- a/εργασια.pptx
+++ b/εργασια.pptx
@@ -1,22 +1,22 @@
 
 <file path=ppt/presentation.xml><?xml version="1.0" encoding="utf-8"?>
-<p:presentation xmlns:a="http://schemas.openxmlformats.org/drawingml/2006/main" xmlns:r="http://schemas.openxmlformats.org/officeDocument/2006/relationships" xmlns:p="http://schemas.openxmlformats.org/presentationml/2006/main" xmlns:m="http://schemas.openxmlformats.org/officeDocument/2006/math" xmlns:a14="http://schemas.microsoft.com/office/drawing/2010/main">
+<p:presentation xmlns:a="http://schemas.openxmlformats.org/drawingml/2006/main" xmlns:r="http://schemas.openxmlformats.org/officeDocument/2006/relationships" xmlns:p="http://schemas.openxmlformats.org/presentationml/2006/main">
   <p:sldMasterIdLst>
-    <p:sldMasterId id="2147483648" r:id="rId5"/>
+    <p:sldMasterId id="2147483648" r:id="rId1"/>
   </p:sldMasterIdLst>
   <p:notesMasterIdLst>
-    <p:notesMasterId r:id="rId7"/>
+    <p:notesMasterId r:id="rId11"/>
   </p:notesMasterIdLst>
   <p:sldIdLst>
-    <p:sldId id="256" r:id="rId8"/>
-    <p:sldId id="257" r:id="rId9"/>
-    <p:sldId id="258" r:id="rId10"/>
-    <p:sldId id="259" r:id="rId11"/>
-    <p:sldId id="260" r:id="rId12"/>
-    <p:sldId id="261" r:id="rId13"/>
-    <p:sldId id="262" r:id="rId14"/>
-    <p:sldId id="263" r:id="rId15"/>
-    <p:sldId id="264" r:id="rId16"/>
+    <p:sldId id="256" r:id="rId2"/>
+    <p:sldId id="257" r:id="rId3"/>
+    <p:sldId id="258" r:id="rId4"/>
+    <p:sldId id="259" r:id="rId5"/>
+    <p:sldId id="260" r:id="rId6"/>
+    <p:sldId id="261" r:id="rId7"/>
+    <p:sldId id="262" r:id="rId8"/>
+    <p:sldId id="263" r:id="rId9"/>
+    <p:sldId id="264" r:id="rId10"/>
   </p:sldIdLst>
   <p:sldSz cx="24384000" cy="13716000"/>
   <p:notesSz cx="6858000" cy="9144000"/>
@@ -36,7 +36,7 @@
       <a:buFontTx/>
       <a:buNone/>
       <a:tabLst/>
-      <a:defRPr b="0" baseline="0" cap="none" i="0" spc="0" strike="noStrike" sz="1800" u="none" kumimoji="0" normalizeH="0">
+      <a:defRPr kumimoji="0" sz="1800" b="0" i="0" u="none" strike="noStrike" cap="none" spc="0" normalizeH="0" baseline="0">
         <a:ln>
           <a:noFill/>
         </a:ln>
@@ -62,7 +62,7 @@
       <a:buFontTx/>
       <a:buNone/>
       <a:tabLst/>
-      <a:defRPr b="0" baseline="0" cap="none" i="0" spc="0" strike="noStrike" sz="2400" u="none" kumimoji="0" normalizeH="0">
+      <a:defRPr kumimoji="0" sz="2400" b="0" i="0" u="none" strike="noStrike" cap="none" spc="0" normalizeH="0" baseline="0">
         <a:ln>
           <a:noFill/>
         </a:ln>
@@ -92,7 +92,7 @@
       <a:buFontTx/>
       <a:buNone/>
       <a:tabLst/>
-      <a:defRPr b="0" baseline="0" cap="none" i="0" spc="0" strike="noStrike" sz="2400" u="none" kumimoji="0" normalizeH="0">
+      <a:defRPr kumimoji="0" sz="2400" b="0" i="0" u="none" strike="noStrike" cap="none" spc="0" normalizeH="0" baseline="0">
         <a:ln>
           <a:noFill/>
         </a:ln>
@@ -122,7 +122,7 @@
       <a:buFontTx/>
       <a:buNone/>
       <a:tabLst/>
-      <a:defRPr b="0" baseline="0" cap="none" i="0" spc="0" strike="noStrike" sz="2400" u="none" kumimoji="0" normalizeH="0">
+      <a:defRPr kumimoji="0" sz="2400" b="0" i="0" u="none" strike="noStrike" cap="none" spc="0" normalizeH="0" baseline="0">
         <a:ln>
           <a:noFill/>
         </a:ln>
@@ -152,7 +152,7 @@
       <a:buFontTx/>
       <a:buNone/>
       <a:tabLst/>
-      <a:defRPr b="0" baseline="0" cap="none" i="0" spc="0" strike="noStrike" sz="2400" u="none" kumimoji="0" normalizeH="0">
+      <a:defRPr kumimoji="0" sz="2400" b="0" i="0" u="none" strike="noStrike" cap="none" spc="0" normalizeH="0" baseline="0">
         <a:ln>
           <a:noFill/>
         </a:ln>
@@ -182,7 +182,7 @@
       <a:buFontTx/>
       <a:buNone/>
       <a:tabLst/>
-      <a:defRPr b="0" baseline="0" cap="none" i="0" spc="0" strike="noStrike" sz="2400" u="none" kumimoji="0" normalizeH="0">
+      <a:defRPr kumimoji="0" sz="2400" b="0" i="0" u="none" strike="noStrike" cap="none" spc="0" normalizeH="0" baseline="0">
         <a:ln>
           <a:noFill/>
         </a:ln>
@@ -212,7 +212,7 @@
       <a:buFontTx/>
       <a:buNone/>
       <a:tabLst/>
-      <a:defRPr b="0" baseline="0" cap="none" i="0" spc="0" strike="noStrike" sz="2400" u="none" kumimoji="0" normalizeH="0">
+      <a:defRPr kumimoji="0" sz="2400" b="0" i="0" u="none" strike="noStrike" cap="none" spc="0" normalizeH="0" baseline="0">
         <a:ln>
           <a:noFill/>
         </a:ln>
@@ -242,7 +242,7 @@
       <a:buFontTx/>
       <a:buNone/>
       <a:tabLst/>
-      <a:defRPr b="0" baseline="0" cap="none" i="0" spc="0" strike="noStrike" sz="2400" u="none" kumimoji="0" normalizeH="0">
+      <a:defRPr kumimoji="0" sz="2400" b="0" i="0" u="none" strike="noStrike" cap="none" spc="0" normalizeH="0" baseline="0">
         <a:ln>
           <a:noFill/>
         </a:ln>
@@ -272,7 +272,7 @@
       <a:buFontTx/>
       <a:buNone/>
       <a:tabLst/>
-      <a:defRPr b="0" baseline="0" cap="none" i="0" spc="0" strike="noStrike" sz="2400" u="none" kumimoji="0" normalizeH="0">
+      <a:defRPr kumimoji="0" sz="2400" b="0" i="0" u="none" strike="noStrike" cap="none" spc="0" normalizeH="0" baseline="0">
         <a:ln>
           <a:noFill/>
         </a:ln>
@@ -302,7 +302,7 @@
       <a:buFontTx/>
       <a:buNone/>
       <a:tabLst/>
-      <a:defRPr b="0" baseline="0" cap="none" i="0" spc="0" strike="noStrike" sz="2400" u="none" kumimoji="0" normalizeH="0">
+      <a:defRPr kumimoji="0" sz="2400" b="0" i="0" u="none" strike="noStrike" cap="none" spc="0" normalizeH="0" baseline="0">
         <a:ln>
           <a:noFill/>
         </a:ln>
@@ -321,13 +321,14 @@
 </p:presentation>
 </file>
 
-<file path=ppt/commentAuthors.xml><?xml version="1.0" encoding="utf-8"?>
-<p:cmAuthorLst xmlns:a="http://schemas.openxmlformats.org/drawingml/2006/main" xmlns:r="http://schemas.openxmlformats.org/officeDocument/2006/relationships" xmlns:p="http://schemas.openxmlformats.org/presentationml/2006/main" xmlns:m="http://schemas.openxmlformats.org/officeDocument/2006/math" xmlns:a14="http://schemas.microsoft.com/office/drawing/2010/main"/>
-</file>
-
 <file path=ppt/notesMasters/notesMaster1.xml><?xml version="1.0" encoding="utf-8"?>
-<p:notesMaster xmlns:a="http://schemas.openxmlformats.org/drawingml/2006/main" xmlns:r="http://schemas.openxmlformats.org/officeDocument/2006/relationships" xmlns:p="http://schemas.openxmlformats.org/presentationml/2006/main" xmlns:m="http://schemas.openxmlformats.org/officeDocument/2006/math" xmlns:a14="http://schemas.microsoft.com/office/drawing/2010/main">
+<p:notesMaster xmlns:a="http://schemas.openxmlformats.org/drawingml/2006/main" xmlns:r="http://schemas.openxmlformats.org/officeDocument/2006/relationships" xmlns:p="http://schemas.openxmlformats.org/presentationml/2006/main">
   <p:cSld>
+    <p:bg>
+      <p:bgRef idx="1001">
+        <a:schemeClr val="bg1"/>
+      </p:bgRef>
+    </p:bg>
     <p:spTree>
       <p:nvGrpSpPr>
         <p:cNvPr id="1" name=""/>
@@ -345,7 +346,9 @@
       <p:sp>
         <p:nvSpPr>
           <p:cNvPr id="148" name="Shape 148"/>
-          <p:cNvSpPr/>
+          <p:cNvSpPr>
+            <a:spLocks noGrp="1" noRot="1" noChangeAspect="1"/>
+          </p:cNvSpPr>
           <p:nvPr>
             <p:ph type="sldImg"/>
           </p:nvPr>
@@ -363,14 +366,16 @@
           <a:bodyPr/>
           <a:lstStyle/>
           <a:p>
-            <a:pPr/>
+            <a:endParaRPr/>
           </a:p>
         </p:txBody>
       </p:sp>
       <p:sp>
         <p:nvSpPr>
           <p:cNvPr id="149" name="Shape 149"/>
-          <p:cNvSpPr/>
+          <p:cNvSpPr>
+            <a:spLocks noGrp="1"/>
+          </p:cNvSpPr>
           <p:nvPr>
             <p:ph type="body" sz="quarter" idx="1"/>
           </p:nvPr>
@@ -388,7 +393,7 @@
           <a:bodyPr/>
           <a:lstStyle/>
           <a:p>
-            <a:pPr/>
+            <a:endParaRPr/>
           </a:p>
         </p:txBody>
       </p:sp>
@@ -500,7 +505,7 @@
 </file>
 
 <file path=ppt/slideLayouts/slideLayout1.xml><?xml version="1.0" encoding="utf-8"?>
-<p:sldLayout xmlns:a="http://schemas.openxmlformats.org/drawingml/2006/main" xmlns:r="http://schemas.openxmlformats.org/officeDocument/2006/relationships" xmlns:p="http://schemas.openxmlformats.org/presentationml/2006/main" xmlns:m="http://schemas.openxmlformats.org/officeDocument/2006/math" xmlns:a14="http://schemas.microsoft.com/office/drawing/2010/main" type="title" showMasterSp="1" showMasterPhAnim="1">
+<p:sldLayout xmlns:a="http://schemas.openxmlformats.org/drawingml/2006/main" xmlns:r="http://schemas.openxmlformats.org/officeDocument/2006/relationships" xmlns:p="http://schemas.openxmlformats.org/presentationml/2006/main" type="title">
   <p:cSld name="Τίτλος">
     <p:spTree>
       <p:nvGrpSpPr>
@@ -519,7 +524,9 @@
       <p:sp>
         <p:nvSpPr>
           <p:cNvPr id="11" name="Συγγραφέας και ημερομηνία"/>
-          <p:cNvSpPr txBox="1"/>
+          <p:cNvSpPr txBox="1">
+            <a:spLocks noGrp="1"/>
+          </p:cNvSpPr>
           <p:nvPr>
             <p:ph type="body" sz="quarter" idx="21" hasCustomPrompt="1"/>
           </p:nvPr>
@@ -545,11 +552,10 @@
               </a:spcBef>
               <a:buSzTx/>
               <a:buNone/>
-              <a:defRPr b="1" sz="3600"/>
+              <a:defRPr sz="3600" b="1"/>
             </a:lvl1pPr>
           </a:lstStyle>
           <a:p>
-            <a:pPr/>
             <a:r>
               <a:t>Συγγραφέας και ημερομηνία</a:t>
             </a:r>
@@ -559,7 +565,9 @@
       <p:sp>
         <p:nvSpPr>
           <p:cNvPr id="12" name="Τίτλος παρουσίασης"/>
-          <p:cNvSpPr txBox="1"/>
+          <p:cNvSpPr txBox="1">
+            <a:spLocks noGrp="1"/>
+          </p:cNvSpPr>
           <p:nvPr>
             <p:ph type="title" hasCustomPrompt="1"/>
           </p:nvPr>
@@ -577,11 +585,10 @@
           <a:bodyPr anchor="b"/>
           <a:lstStyle>
             <a:lvl1pPr>
-              <a:defRPr spc="-232" sz="11600"/>
+              <a:defRPr sz="11600" spc="-232"/>
             </a:lvl1pPr>
           </a:lstStyle>
           <a:p>
-            <a:pPr/>
             <a:r>
               <a:t>Τίτλος παρουσίασης</a:t>
             </a:r>
@@ -591,7 +598,9 @@
       <p:sp>
         <p:nvSpPr>
           <p:cNvPr id="13" name="Body Level One…"/>
-          <p:cNvSpPr txBox="1"/>
+          <p:cNvSpPr txBox="1">
+            <a:spLocks noGrp="1"/>
+          </p:cNvSpPr>
           <p:nvPr>
             <p:ph type="body" sz="quarter" idx="1" hasCustomPrompt="1"/>
           </p:nvPr>
@@ -617,7 +626,7 @@
               </a:spcBef>
               <a:buSzTx/>
               <a:buNone/>
-              <a:defRPr b="1" sz="5500"/>
+              <a:defRPr sz="5500" b="1"/>
             </a:lvl1pPr>
             <a:lvl2pPr marL="0" indent="457200" defTabSz="825500">
               <a:lnSpc>
@@ -628,7 +637,7 @@
               </a:spcBef>
               <a:buSzTx/>
               <a:buNone/>
-              <a:defRPr b="1" sz="5500"/>
+              <a:defRPr sz="5500" b="1"/>
             </a:lvl2pPr>
             <a:lvl3pPr marL="0" indent="914400" defTabSz="825500">
               <a:lnSpc>
@@ -639,7 +648,7 @@
               </a:spcBef>
               <a:buSzTx/>
               <a:buNone/>
-              <a:defRPr b="1" sz="5500"/>
+              <a:defRPr sz="5500" b="1"/>
             </a:lvl3pPr>
             <a:lvl4pPr marL="0" indent="1371600" defTabSz="825500">
               <a:lnSpc>
@@ -650,7 +659,7 @@
               </a:spcBef>
               <a:buSzTx/>
               <a:buNone/>
-              <a:defRPr b="1" sz="5500"/>
+              <a:defRPr sz="5500" b="1"/>
             </a:lvl4pPr>
             <a:lvl5pPr marL="0" indent="1828800" defTabSz="825500">
               <a:lnSpc>
@@ -661,45 +670,38 @@
               </a:spcBef>
               <a:buSzTx/>
               <a:buNone/>
-              <a:defRPr b="1" sz="5500"/>
+              <a:defRPr sz="5500" b="1"/>
             </a:lvl5pPr>
           </a:lstStyle>
           <a:p>
-            <a:pPr/>
             <a:r>
               <a:t>Υπότιτλος παρουσίασης</a:t>
             </a:r>
           </a:p>
           <a:p>
             <a:pPr lvl="1"/>
-            <a:r>
-              <a:t/>
-            </a:r>
+            <a:endParaRPr/>
           </a:p>
           <a:p>
             <a:pPr lvl="2"/>
-            <a:r>
-              <a:t/>
-            </a:r>
+            <a:endParaRPr/>
           </a:p>
           <a:p>
             <a:pPr lvl="3"/>
-            <a:r>
-              <a:t/>
-            </a:r>
+            <a:endParaRPr/>
           </a:p>
           <a:p>
             <a:pPr lvl="4"/>
-            <a:r>
-              <a:t/>
-            </a:r>
+            <a:endParaRPr/>
           </a:p>
         </p:txBody>
       </p:sp>
       <p:sp>
         <p:nvSpPr>
           <p:cNvPr id="14" name="Slide Number"/>
-          <p:cNvSpPr txBox="1"/>
+          <p:cNvSpPr txBox="1">
+            <a:spLocks noGrp="1"/>
+          </p:cNvSpPr>
           <p:nvPr>
             <p:ph type="sldNum" sz="quarter" idx="2"/>
           </p:nvPr>
@@ -713,8 +715,10 @@
           <a:bodyPr/>
           <a:lstStyle/>
           <a:p>
-            <a:pPr/>
-            <a:fld id="{86CB4B4D-7CA3-9044-876B-883B54F8677D}" type="slidenum"/>
+            <a:fld id="{86CB4B4D-7CA3-9044-876B-883B54F8677D}" type="slidenum">
+              <a:t>‹#›</a:t>
+            </a:fld>
+            <a:endParaRPr/>
           </a:p>
         </p:txBody>
       </p:sp>
@@ -723,12 +727,12 @@
   <p:clrMapOvr>
     <a:masterClrMapping/>
   </p:clrMapOvr>
-  <p:transition xmlns:p14="http://schemas.microsoft.com/office/powerpoint/2010/main" spd="med" advClick="1"/>
+  <p:transition spd="med"/>
 </p:sldLayout>
 </file>
 
 <file path=ppt/slideLayouts/slideLayout10.xml><?xml version="1.0" encoding="utf-8"?>
-<p:sldLayout xmlns:a="http://schemas.openxmlformats.org/drawingml/2006/main" xmlns:r="http://schemas.openxmlformats.org/officeDocument/2006/relationships" xmlns:p="http://schemas.openxmlformats.org/presentationml/2006/main" xmlns:m="http://schemas.openxmlformats.org/officeDocument/2006/math" xmlns:a14="http://schemas.microsoft.com/office/drawing/2010/main" type="tx" showMasterSp="1" showMasterPhAnim="1">
+<p:sldLayout xmlns:a="http://schemas.openxmlformats.org/drawingml/2006/main" xmlns:r="http://schemas.openxmlformats.org/officeDocument/2006/relationships" xmlns:p="http://schemas.openxmlformats.org/presentationml/2006/main" type="tx">
   <p:cSld name="Δήλωση">
     <p:spTree>
       <p:nvGrpSpPr>
@@ -747,7 +751,9 @@
       <p:sp>
         <p:nvSpPr>
           <p:cNvPr id="98" name="Body Level One…"/>
-          <p:cNvSpPr txBox="1"/>
+          <p:cNvSpPr txBox="1">
+            <a:spLocks noGrp="1"/>
+          </p:cNvSpPr>
           <p:nvPr>
             <p:ph type="body" sz="half" idx="1" hasCustomPrompt="1"/>
           </p:nvPr>
@@ -773,7 +779,7 @@
               </a:spcBef>
               <a:buSzTx/>
               <a:buNone/>
-              <a:defRPr spc="-232" sz="11600">
+              <a:defRPr sz="11600" spc="-232">
                 <a:latin typeface="Helvetica Neue Medium"/>
                 <a:ea typeface="Helvetica Neue Medium"/>
                 <a:cs typeface="Helvetica Neue Medium"/>
@@ -789,7 +795,7 @@
               </a:spcBef>
               <a:buSzTx/>
               <a:buNone/>
-              <a:defRPr spc="-232" sz="11600">
+              <a:defRPr sz="11600" spc="-232">
                 <a:latin typeface="Helvetica Neue Medium"/>
                 <a:ea typeface="Helvetica Neue Medium"/>
                 <a:cs typeface="Helvetica Neue Medium"/>
@@ -805,7 +811,7 @@
               </a:spcBef>
               <a:buSzTx/>
               <a:buNone/>
-              <a:defRPr spc="-232" sz="11600">
+              <a:defRPr sz="11600" spc="-232">
                 <a:latin typeface="Helvetica Neue Medium"/>
                 <a:ea typeface="Helvetica Neue Medium"/>
                 <a:cs typeface="Helvetica Neue Medium"/>
@@ -821,7 +827,7 @@
               </a:spcBef>
               <a:buSzTx/>
               <a:buNone/>
-              <a:defRPr spc="-232" sz="11600">
+              <a:defRPr sz="11600" spc="-232">
                 <a:latin typeface="Helvetica Neue Medium"/>
                 <a:ea typeface="Helvetica Neue Medium"/>
                 <a:cs typeface="Helvetica Neue Medium"/>
@@ -837,7 +843,7 @@
               </a:spcBef>
               <a:buSzTx/>
               <a:buNone/>
-              <a:defRPr spc="-232" sz="11600">
+              <a:defRPr sz="11600" spc="-232">
                 <a:latin typeface="Helvetica Neue Medium"/>
                 <a:ea typeface="Helvetica Neue Medium"/>
                 <a:cs typeface="Helvetica Neue Medium"/>
@@ -846,41 +852,34 @@
             </a:lvl5pPr>
           </a:lstStyle>
           <a:p>
-            <a:pPr/>
             <a:r>
               <a:t>Δήλωση</a:t>
             </a:r>
           </a:p>
           <a:p>
             <a:pPr lvl="1"/>
-            <a:r>
-              <a:t/>
-            </a:r>
+            <a:endParaRPr/>
           </a:p>
           <a:p>
             <a:pPr lvl="2"/>
-            <a:r>
-              <a:t/>
-            </a:r>
+            <a:endParaRPr/>
           </a:p>
           <a:p>
             <a:pPr lvl="3"/>
-            <a:r>
-              <a:t/>
-            </a:r>
+            <a:endParaRPr/>
           </a:p>
           <a:p>
             <a:pPr lvl="4"/>
-            <a:r>
-              <a:t/>
-            </a:r>
+            <a:endParaRPr/>
           </a:p>
         </p:txBody>
       </p:sp>
       <p:sp>
         <p:nvSpPr>
           <p:cNvPr id="99" name="Slide Number"/>
-          <p:cNvSpPr txBox="1"/>
+          <p:cNvSpPr txBox="1">
+            <a:spLocks noGrp="1"/>
+          </p:cNvSpPr>
           <p:nvPr>
             <p:ph type="sldNum" sz="quarter" idx="2"/>
           </p:nvPr>
@@ -894,8 +893,10 @@
           <a:bodyPr/>
           <a:lstStyle/>
           <a:p>
-            <a:pPr/>
-            <a:fld id="{86CB4B4D-7CA3-9044-876B-883B54F8677D}" type="slidenum"/>
+            <a:fld id="{86CB4B4D-7CA3-9044-876B-883B54F8677D}" type="slidenum">
+              <a:t>‹#›</a:t>
+            </a:fld>
+            <a:endParaRPr/>
           </a:p>
         </p:txBody>
       </p:sp>
@@ -904,12 +905,12 @@
   <p:clrMapOvr>
     <a:masterClrMapping/>
   </p:clrMapOvr>
-  <p:transition xmlns:p14="http://schemas.microsoft.com/office/powerpoint/2010/main" spd="med" advClick="1"/>
+  <p:transition spd="med"/>
 </p:sldLayout>
 </file>
 
 <file path=ppt/slideLayouts/slideLayout11.xml><?xml version="1.0" encoding="utf-8"?>
-<p:sldLayout xmlns:a="http://schemas.openxmlformats.org/drawingml/2006/main" xmlns:r="http://schemas.openxmlformats.org/officeDocument/2006/relationships" xmlns:p="http://schemas.openxmlformats.org/presentationml/2006/main" xmlns:m="http://schemas.openxmlformats.org/officeDocument/2006/math" xmlns:a14="http://schemas.microsoft.com/office/drawing/2010/main" type="tx" showMasterSp="1" showMasterPhAnim="1">
+<p:sldLayout xmlns:a="http://schemas.openxmlformats.org/drawingml/2006/main" xmlns:r="http://schemas.openxmlformats.org/officeDocument/2006/relationships" xmlns:p="http://schemas.openxmlformats.org/presentationml/2006/main" type="tx">
   <p:cSld name="Σπουδαίο γεγονός">
     <p:spTree>
       <p:nvGrpSpPr>
@@ -928,7 +929,9 @@
       <p:sp>
         <p:nvSpPr>
           <p:cNvPr id="106" name="Body Level One…"/>
-          <p:cNvSpPr txBox="1"/>
+          <p:cNvSpPr txBox="1">
+            <a:spLocks noGrp="1"/>
+          </p:cNvSpPr>
           <p:nvPr>
             <p:ph type="body" idx="1" hasCustomPrompt="1"/>
           </p:nvPr>
@@ -954,7 +957,7 @@
               </a:spcBef>
               <a:buSzTx/>
               <a:buNone/>
-              <a:defRPr b="1" spc="-250" sz="25000"/>
+              <a:defRPr sz="25000" b="1" spc="-250"/>
             </a:lvl1pPr>
             <a:lvl2pPr marL="0" indent="457200" algn="ctr">
               <a:lnSpc>
@@ -965,7 +968,7 @@
               </a:spcBef>
               <a:buSzTx/>
               <a:buNone/>
-              <a:defRPr b="1" spc="-250" sz="25000"/>
+              <a:defRPr sz="25000" b="1" spc="-250"/>
             </a:lvl2pPr>
             <a:lvl3pPr marL="0" indent="914400" algn="ctr">
               <a:lnSpc>
@@ -976,7 +979,7 @@
               </a:spcBef>
               <a:buSzTx/>
               <a:buNone/>
-              <a:defRPr b="1" spc="-250" sz="25000"/>
+              <a:defRPr sz="25000" b="1" spc="-250"/>
             </a:lvl3pPr>
             <a:lvl4pPr marL="0" indent="1371600" algn="ctr">
               <a:lnSpc>
@@ -987,7 +990,7 @@
               </a:spcBef>
               <a:buSzTx/>
               <a:buNone/>
-              <a:defRPr b="1" spc="-250" sz="25000"/>
+              <a:defRPr sz="25000" b="1" spc="-250"/>
             </a:lvl4pPr>
             <a:lvl5pPr marL="0" indent="1828800" algn="ctr">
               <a:lnSpc>
@@ -998,45 +1001,38 @@
               </a:spcBef>
               <a:buSzTx/>
               <a:buNone/>
-              <a:defRPr b="1" spc="-250" sz="25000"/>
+              <a:defRPr sz="25000" b="1" spc="-250"/>
             </a:lvl5pPr>
           </a:lstStyle>
           <a:p>
-            <a:pPr/>
             <a:r>
               <a:t>100%</a:t>
             </a:r>
           </a:p>
           <a:p>
             <a:pPr lvl="1"/>
-            <a:r>
-              <a:t/>
-            </a:r>
+            <a:endParaRPr/>
           </a:p>
           <a:p>
             <a:pPr lvl="2"/>
-            <a:r>
-              <a:t/>
-            </a:r>
+            <a:endParaRPr/>
           </a:p>
           <a:p>
             <a:pPr lvl="3"/>
-            <a:r>
-              <a:t/>
-            </a:r>
+            <a:endParaRPr/>
           </a:p>
           <a:p>
             <a:pPr lvl="4"/>
-            <a:r>
-              <a:t/>
-            </a:r>
+            <a:endParaRPr/>
           </a:p>
         </p:txBody>
       </p:sp>
       <p:sp>
         <p:nvSpPr>
           <p:cNvPr id="107" name="Πληροφορίες γεγονότος"/>
-          <p:cNvSpPr txBox="1"/>
+          <p:cNvSpPr txBox="1">
+            <a:spLocks noGrp="1"/>
+          </p:cNvSpPr>
           <p:nvPr>
             <p:ph type="body" sz="quarter" idx="21" hasCustomPrompt="1"/>
           </p:nvPr>
@@ -1062,11 +1058,10 @@
               </a:spcBef>
               <a:buSzTx/>
               <a:buNone/>
-              <a:defRPr b="1" sz="5500"/>
+              <a:defRPr sz="5500" b="1"/>
             </a:lvl1pPr>
           </a:lstStyle>
           <a:p>
-            <a:pPr/>
             <a:r>
               <a:t>Πληροφορίες γεγονότος</a:t>
             </a:r>
@@ -1076,7 +1071,9 @@
       <p:sp>
         <p:nvSpPr>
           <p:cNvPr id="108" name="Slide Number"/>
-          <p:cNvSpPr txBox="1"/>
+          <p:cNvSpPr txBox="1">
+            <a:spLocks noGrp="1"/>
+          </p:cNvSpPr>
           <p:nvPr>
             <p:ph type="sldNum" sz="quarter" idx="2"/>
           </p:nvPr>
@@ -1090,8 +1087,10 @@
           <a:bodyPr/>
           <a:lstStyle/>
           <a:p>
-            <a:pPr/>
-            <a:fld id="{86CB4B4D-7CA3-9044-876B-883B54F8677D}" type="slidenum"/>
+            <a:fld id="{86CB4B4D-7CA3-9044-876B-883B54F8677D}" type="slidenum">
+              <a:t>‹#›</a:t>
+            </a:fld>
+            <a:endParaRPr/>
           </a:p>
         </p:txBody>
       </p:sp>
@@ -1100,12 +1099,12 @@
   <p:clrMapOvr>
     <a:masterClrMapping/>
   </p:clrMapOvr>
-  <p:transition xmlns:p14="http://schemas.microsoft.com/office/powerpoint/2010/main" spd="med" advClick="1"/>
+  <p:transition spd="med"/>
 </p:sldLayout>
 </file>
 
 <file path=ppt/slideLayouts/slideLayout12.xml><?xml version="1.0" encoding="utf-8"?>
-<p:sldLayout xmlns:a="http://schemas.openxmlformats.org/drawingml/2006/main" xmlns:r="http://schemas.openxmlformats.org/officeDocument/2006/relationships" xmlns:p="http://schemas.openxmlformats.org/presentationml/2006/main" xmlns:m="http://schemas.openxmlformats.org/officeDocument/2006/math" xmlns:a14="http://schemas.microsoft.com/office/drawing/2010/main" type="tx" showMasterSp="1" showMasterPhAnim="1">
+<p:sldLayout xmlns:a="http://schemas.openxmlformats.org/drawingml/2006/main" xmlns:r="http://schemas.openxmlformats.org/officeDocument/2006/relationships" xmlns:p="http://schemas.openxmlformats.org/presentationml/2006/main" type="tx">
   <p:cSld name="Παράθεση">
     <p:spTree>
       <p:nvGrpSpPr>
@@ -1124,7 +1123,9 @@
       <p:sp>
         <p:nvSpPr>
           <p:cNvPr id="115" name="Απόδοση"/>
-          <p:cNvSpPr txBox="1"/>
+          <p:cNvSpPr txBox="1">
+            <a:spLocks noGrp="1"/>
+          </p:cNvSpPr>
           <p:nvPr>
             <p:ph type="body" sz="quarter" idx="21" hasCustomPrompt="1"/>
           </p:nvPr>
@@ -1150,11 +1151,10 @@
               </a:spcBef>
               <a:buSzTx/>
               <a:buNone/>
-              <a:defRPr b="1" sz="3600"/>
+              <a:defRPr sz="3600" b="1"/>
             </a:lvl1pPr>
           </a:lstStyle>
           <a:p>
-            <a:pPr/>
             <a:r>
               <a:t>Απόδοση</a:t>
             </a:r>
@@ -1164,7 +1164,9 @@
       <p:sp>
         <p:nvSpPr>
           <p:cNvPr id="116" name="Body Level One…"/>
-          <p:cNvSpPr txBox="1"/>
+          <p:cNvSpPr txBox="1">
+            <a:spLocks noGrp="1"/>
+          </p:cNvSpPr>
           <p:nvPr>
             <p:ph type="body" sz="half" idx="1" hasCustomPrompt="1"/>
           </p:nvPr>
@@ -1187,7 +1189,7 @@
               </a:spcBef>
               <a:buSzTx/>
               <a:buNone/>
-              <a:defRPr spc="-170" sz="8500">
+              <a:defRPr sz="8500" spc="-170">
                 <a:latin typeface="Helvetica Neue Medium"/>
                 <a:ea typeface="Helvetica Neue Medium"/>
                 <a:cs typeface="Helvetica Neue Medium"/>
@@ -1200,7 +1202,7 @@
               </a:spcBef>
               <a:buSzTx/>
               <a:buNone/>
-              <a:defRPr spc="-170" sz="8500">
+              <a:defRPr sz="8500" spc="-170">
                 <a:latin typeface="Helvetica Neue Medium"/>
                 <a:ea typeface="Helvetica Neue Medium"/>
                 <a:cs typeface="Helvetica Neue Medium"/>
@@ -1213,7 +1215,7 @@
               </a:spcBef>
               <a:buSzTx/>
               <a:buNone/>
-              <a:defRPr spc="-170" sz="8500">
+              <a:defRPr sz="8500" spc="-170">
                 <a:latin typeface="Helvetica Neue Medium"/>
                 <a:ea typeface="Helvetica Neue Medium"/>
                 <a:cs typeface="Helvetica Neue Medium"/>
@@ -1226,7 +1228,7 @@
               </a:spcBef>
               <a:buSzTx/>
               <a:buNone/>
-              <a:defRPr spc="-170" sz="8500">
+              <a:defRPr sz="8500" spc="-170">
                 <a:latin typeface="Helvetica Neue Medium"/>
                 <a:ea typeface="Helvetica Neue Medium"/>
                 <a:cs typeface="Helvetica Neue Medium"/>
@@ -1239,7 +1241,7 @@
               </a:spcBef>
               <a:buSzTx/>
               <a:buNone/>
-              <a:defRPr spc="-170" sz="8500">
+              <a:defRPr sz="8500" spc="-170">
                 <a:latin typeface="Helvetica Neue Medium"/>
                 <a:ea typeface="Helvetica Neue Medium"/>
                 <a:cs typeface="Helvetica Neue Medium"/>
@@ -1248,41 +1250,34 @@
             </a:lvl5pPr>
           </a:lstStyle>
           <a:p>
-            <a:pPr/>
             <a:r>
               <a:t>«Αξιοσημείωτη παράθεση»</a:t>
             </a:r>
           </a:p>
           <a:p>
             <a:pPr lvl="1"/>
-            <a:r>
-              <a:t/>
-            </a:r>
+            <a:endParaRPr/>
           </a:p>
           <a:p>
             <a:pPr lvl="2"/>
-            <a:r>
-              <a:t/>
-            </a:r>
+            <a:endParaRPr/>
           </a:p>
           <a:p>
             <a:pPr lvl="3"/>
-            <a:r>
-              <a:t/>
-            </a:r>
+            <a:endParaRPr/>
           </a:p>
           <a:p>
             <a:pPr lvl="4"/>
-            <a:r>
-              <a:t/>
-            </a:r>
+            <a:endParaRPr/>
           </a:p>
         </p:txBody>
       </p:sp>
       <p:sp>
         <p:nvSpPr>
           <p:cNvPr id="117" name="Slide Number"/>
-          <p:cNvSpPr txBox="1"/>
+          <p:cNvSpPr txBox="1">
+            <a:spLocks noGrp="1"/>
+          </p:cNvSpPr>
           <p:nvPr>
             <p:ph type="sldNum" sz="quarter" idx="2"/>
           </p:nvPr>
@@ -1296,8 +1291,10 @@
           <a:bodyPr/>
           <a:lstStyle/>
           <a:p>
-            <a:pPr/>
-            <a:fld id="{86CB4B4D-7CA3-9044-876B-883B54F8677D}" type="slidenum"/>
+            <a:fld id="{86CB4B4D-7CA3-9044-876B-883B54F8677D}" type="slidenum">
+              <a:t>‹#›</a:t>
+            </a:fld>
+            <a:endParaRPr/>
           </a:p>
         </p:txBody>
       </p:sp>
@@ -1306,12 +1303,12 @@
   <p:clrMapOvr>
     <a:masterClrMapping/>
   </p:clrMapOvr>
-  <p:transition xmlns:p14="http://schemas.microsoft.com/office/powerpoint/2010/main" spd="med" advClick="1"/>
+  <p:transition spd="med"/>
 </p:sldLayout>
 </file>
 
 <file path=ppt/slideLayouts/slideLayout13.xml><?xml version="1.0" encoding="utf-8"?>
-<p:sldLayout xmlns:a="http://schemas.openxmlformats.org/drawingml/2006/main" xmlns:r="http://schemas.openxmlformats.org/officeDocument/2006/relationships" xmlns:p="http://schemas.openxmlformats.org/presentationml/2006/main" xmlns:m="http://schemas.openxmlformats.org/officeDocument/2006/math" xmlns:a14="http://schemas.microsoft.com/office/drawing/2010/main" type="tx" showMasterSp="1" showMasterPhAnim="1">
+<p:sldLayout xmlns:a="http://schemas.openxmlformats.org/drawingml/2006/main" xmlns:r="http://schemas.openxmlformats.org/officeDocument/2006/relationships" xmlns:p="http://schemas.openxmlformats.org/presentationml/2006/main" type="tx">
   <p:cSld name="Φωτογραφία - 3 εικόνες">
     <p:spTree>
       <p:nvGrpSpPr>
@@ -1330,7 +1327,9 @@
       <p:sp>
         <p:nvSpPr>
           <p:cNvPr id="124" name="Μπολ σαλάτας με τηγανητό ρύζι, βρασμένα αυγά και κινέζικα ξυλάκια"/>
-          <p:cNvSpPr/>
+          <p:cNvSpPr>
+            <a:spLocks noGrp="1"/>
+          </p:cNvSpPr>
           <p:nvPr>
             <p:ph type="pic" sz="quarter" idx="21"/>
           </p:nvPr>
@@ -1350,14 +1349,16 @@
           </a:bodyPr>
           <a:lstStyle/>
           <a:p>
-            <a:pPr/>
+            <a:endParaRPr/>
           </a:p>
         </p:txBody>
       </p:sp>
       <p:sp>
         <p:nvSpPr>
           <p:cNvPr id="125" name="Μπολ με κεφτέδες σολομού, σαλάτα και χούμους "/>
-          <p:cNvSpPr/>
+          <p:cNvSpPr>
+            <a:spLocks noGrp="1"/>
+          </p:cNvSpPr>
           <p:nvPr>
             <p:ph type="pic" sz="half" idx="22"/>
           </p:nvPr>
@@ -1377,14 +1378,16 @@
           </a:bodyPr>
           <a:lstStyle/>
           <a:p>
-            <a:pPr/>
+            <a:endParaRPr/>
           </a:p>
         </p:txBody>
       </p:sp>
       <p:sp>
         <p:nvSpPr>
           <p:cNvPr id="126" name="Μπολ με παπαρδέλες, βούτυρο μαϊντανού, καβουρντισμένα φουντούκια και τριμμένη παρμεζάνα"/>
-          <p:cNvSpPr/>
+          <p:cNvSpPr>
+            <a:spLocks noGrp="1"/>
+          </p:cNvSpPr>
           <p:nvPr>
             <p:ph type="pic" idx="23"/>
           </p:nvPr>
@@ -1404,14 +1407,16 @@
           </a:bodyPr>
           <a:lstStyle/>
           <a:p>
-            <a:pPr/>
+            <a:endParaRPr/>
           </a:p>
         </p:txBody>
       </p:sp>
       <p:sp>
         <p:nvSpPr>
           <p:cNvPr id="127" name="Slide Number"/>
-          <p:cNvSpPr txBox="1"/>
+          <p:cNvSpPr txBox="1">
+            <a:spLocks noGrp="1"/>
+          </p:cNvSpPr>
           <p:nvPr>
             <p:ph type="sldNum" sz="quarter" idx="2"/>
           </p:nvPr>
@@ -1425,8 +1430,10 @@
           <a:bodyPr/>
           <a:lstStyle/>
           <a:p>
-            <a:pPr/>
-            <a:fld id="{86CB4B4D-7CA3-9044-876B-883B54F8677D}" type="slidenum"/>
+            <a:fld id="{86CB4B4D-7CA3-9044-876B-883B54F8677D}" type="slidenum">
+              <a:t>‹#›</a:t>
+            </a:fld>
+            <a:endParaRPr/>
           </a:p>
         </p:txBody>
       </p:sp>
@@ -1435,12 +1442,12 @@
   <p:clrMapOvr>
     <a:masterClrMapping/>
   </p:clrMapOvr>
-  <p:transition xmlns:p14="http://schemas.microsoft.com/office/powerpoint/2010/main" spd="med" advClick="1"/>
+  <p:transition spd="med"/>
 </p:sldLayout>
 </file>
 
 <file path=ppt/slideLayouts/slideLayout14.xml><?xml version="1.0" encoding="utf-8"?>
-<p:sldLayout xmlns:a="http://schemas.openxmlformats.org/drawingml/2006/main" xmlns:r="http://schemas.openxmlformats.org/officeDocument/2006/relationships" xmlns:p="http://schemas.openxmlformats.org/presentationml/2006/main" xmlns:m="http://schemas.openxmlformats.org/officeDocument/2006/math" xmlns:a14="http://schemas.microsoft.com/office/drawing/2010/main" type="tx" showMasterSp="1" showMasterPhAnim="1">
+<p:sldLayout xmlns:a="http://schemas.openxmlformats.org/drawingml/2006/main" xmlns:r="http://schemas.openxmlformats.org/officeDocument/2006/relationships" xmlns:p="http://schemas.openxmlformats.org/presentationml/2006/main" type="tx">
   <p:cSld name="Φωτογραφία">
     <p:spTree>
       <p:nvGrpSpPr>
@@ -1459,7 +1466,9 @@
       <p:sp>
         <p:nvSpPr>
           <p:cNvPr id="134" name="μπολ σαλάτας με τηγανητό ρύζι, βρασμένα αυγά και κινέζικα ξυλάκια"/>
-          <p:cNvSpPr/>
+          <p:cNvSpPr>
+            <a:spLocks noGrp="1"/>
+          </p:cNvSpPr>
           <p:nvPr>
             <p:ph type="pic" idx="21"/>
           </p:nvPr>
@@ -1479,14 +1488,16 @@
           </a:bodyPr>
           <a:lstStyle/>
           <a:p>
-            <a:pPr/>
+            <a:endParaRPr/>
           </a:p>
         </p:txBody>
       </p:sp>
       <p:sp>
         <p:nvSpPr>
           <p:cNvPr id="135" name="Slide Number"/>
-          <p:cNvSpPr txBox="1"/>
+          <p:cNvSpPr txBox="1">
+            <a:spLocks noGrp="1"/>
+          </p:cNvSpPr>
           <p:nvPr>
             <p:ph type="sldNum" sz="quarter" idx="2"/>
           </p:nvPr>
@@ -1508,8 +1519,10 @@
             </a:lvl1pPr>
           </a:lstStyle>
           <a:p>
-            <a:pPr/>
-            <a:fld id="{86CB4B4D-7CA3-9044-876B-883B54F8677D}" type="slidenum"/>
+            <a:fld id="{86CB4B4D-7CA3-9044-876B-883B54F8677D}" type="slidenum">
+              <a:t>‹#›</a:t>
+            </a:fld>
+            <a:endParaRPr/>
           </a:p>
         </p:txBody>
       </p:sp>
@@ -1518,12 +1531,12 @@
   <p:clrMapOvr>
     <a:masterClrMapping/>
   </p:clrMapOvr>
-  <p:transition xmlns:p14="http://schemas.microsoft.com/office/powerpoint/2010/main" spd="med" advClick="1"/>
+  <p:transition spd="med"/>
 </p:sldLayout>
 </file>
 
 <file path=ppt/slideLayouts/slideLayout15.xml><?xml version="1.0" encoding="utf-8"?>
-<p:sldLayout xmlns:a="http://schemas.openxmlformats.org/drawingml/2006/main" xmlns:r="http://schemas.openxmlformats.org/officeDocument/2006/relationships" xmlns:p="http://schemas.openxmlformats.org/presentationml/2006/main" xmlns:m="http://schemas.openxmlformats.org/officeDocument/2006/math" xmlns:a14="http://schemas.microsoft.com/office/drawing/2010/main" type="tx" showMasterSp="1" showMasterPhAnim="1">
+<p:sldLayout xmlns:a="http://schemas.openxmlformats.org/drawingml/2006/main" xmlns:r="http://schemas.openxmlformats.org/officeDocument/2006/relationships" xmlns:p="http://schemas.openxmlformats.org/presentationml/2006/main" type="tx">
   <p:cSld name="Κενή">
     <p:spTree>
       <p:nvGrpSpPr>
@@ -1542,7 +1555,9 @@
       <p:sp>
         <p:nvSpPr>
           <p:cNvPr id="142" name="Slide Number"/>
-          <p:cNvSpPr txBox="1"/>
+          <p:cNvSpPr txBox="1">
+            <a:spLocks noGrp="1"/>
+          </p:cNvSpPr>
           <p:nvPr>
             <p:ph type="sldNum" sz="quarter" idx="2"/>
           </p:nvPr>
@@ -1556,8 +1571,10 @@
           <a:bodyPr/>
           <a:lstStyle/>
           <a:p>
-            <a:pPr/>
-            <a:fld id="{86CB4B4D-7CA3-9044-876B-883B54F8677D}" type="slidenum"/>
+            <a:fld id="{86CB4B4D-7CA3-9044-876B-883B54F8677D}" type="slidenum">
+              <a:t>‹#›</a:t>
+            </a:fld>
+            <a:endParaRPr/>
           </a:p>
         </p:txBody>
       </p:sp>
@@ -1566,12 +1583,12 @@
   <p:clrMapOvr>
     <a:masterClrMapping/>
   </p:clrMapOvr>
-  <p:transition xmlns:p14="http://schemas.microsoft.com/office/powerpoint/2010/main" spd="med" advClick="1"/>
+  <p:transition spd="med"/>
 </p:sldLayout>
 </file>
 
 <file path=ppt/slideLayouts/slideLayout2.xml><?xml version="1.0" encoding="utf-8"?>
-<p:sldLayout xmlns:a="http://schemas.openxmlformats.org/drawingml/2006/main" xmlns:r="http://schemas.openxmlformats.org/officeDocument/2006/relationships" xmlns:p="http://schemas.openxmlformats.org/presentationml/2006/main" xmlns:m="http://schemas.openxmlformats.org/officeDocument/2006/math" xmlns:a14="http://schemas.microsoft.com/office/drawing/2010/main" type="tx" showMasterSp="1" showMasterPhAnim="1">
+<p:sldLayout xmlns:a="http://schemas.openxmlformats.org/drawingml/2006/main" xmlns:r="http://schemas.openxmlformats.org/officeDocument/2006/relationships" xmlns:p="http://schemas.openxmlformats.org/presentationml/2006/main" type="tx">
   <p:cSld name="Τίτλος και φωτογραφία">
     <p:spTree>
       <p:nvGrpSpPr>
@@ -1590,7 +1607,9 @@
       <p:sp>
         <p:nvSpPr>
           <p:cNvPr id="21" name="Αβοκάντο και μοσχολέμονα"/>
-          <p:cNvSpPr/>
+          <p:cNvSpPr>
+            <a:spLocks noGrp="1"/>
+          </p:cNvSpPr>
           <p:nvPr>
             <p:ph type="pic" idx="21"/>
           </p:nvPr>
@@ -1610,14 +1629,16 @@
           </a:bodyPr>
           <a:lstStyle/>
           <a:p>
-            <a:pPr/>
+            <a:endParaRPr/>
           </a:p>
         </p:txBody>
       </p:sp>
       <p:sp>
         <p:nvSpPr>
           <p:cNvPr id="22" name="Τίτλος παρουσίασης"/>
-          <p:cNvSpPr txBox="1"/>
+          <p:cNvSpPr txBox="1">
+            <a:spLocks noGrp="1"/>
+          </p:cNvSpPr>
           <p:nvPr>
             <p:ph type="title" hasCustomPrompt="1"/>
           </p:nvPr>
@@ -1635,11 +1656,10 @@
           <a:bodyPr anchor="b"/>
           <a:lstStyle>
             <a:lvl1pPr>
-              <a:defRPr spc="-232" sz="11600"/>
+              <a:defRPr sz="11600" spc="-232"/>
             </a:lvl1pPr>
           </a:lstStyle>
           <a:p>
-            <a:pPr/>
             <a:r>
               <a:t>Τίτλος παρουσίασης</a:t>
             </a:r>
@@ -1649,7 +1669,9 @@
       <p:sp>
         <p:nvSpPr>
           <p:cNvPr id="23" name="Συγγραφέας και ημερομηνία"/>
-          <p:cNvSpPr txBox="1"/>
+          <p:cNvSpPr txBox="1">
+            <a:spLocks noGrp="1"/>
+          </p:cNvSpPr>
           <p:nvPr>
             <p:ph type="body" sz="quarter" idx="22" hasCustomPrompt="1"/>
           </p:nvPr>
@@ -1675,11 +1697,10 @@
               </a:spcBef>
               <a:buSzTx/>
               <a:buNone/>
-              <a:defRPr b="1" sz="3600"/>
+              <a:defRPr sz="3600" b="1"/>
             </a:lvl1pPr>
           </a:lstStyle>
           <a:p>
-            <a:pPr/>
             <a:r>
               <a:t>Συγγραφέας και ημερομηνία</a:t>
             </a:r>
@@ -1689,7 +1710,9 @@
       <p:sp>
         <p:nvSpPr>
           <p:cNvPr id="24" name="Body Level One…"/>
-          <p:cNvSpPr txBox="1"/>
+          <p:cNvSpPr txBox="1">
+            <a:spLocks noGrp="1"/>
+          </p:cNvSpPr>
           <p:nvPr>
             <p:ph type="body" sz="quarter" idx="1" hasCustomPrompt="1"/>
           </p:nvPr>
@@ -1715,7 +1738,7 @@
               </a:spcBef>
               <a:buSzTx/>
               <a:buNone/>
-              <a:defRPr b="1" sz="5500"/>
+              <a:defRPr sz="5500" b="1"/>
             </a:lvl1pPr>
             <a:lvl2pPr marL="0" indent="457200" defTabSz="825500">
               <a:lnSpc>
@@ -1726,7 +1749,7 @@
               </a:spcBef>
               <a:buSzTx/>
               <a:buNone/>
-              <a:defRPr b="1" sz="5500"/>
+              <a:defRPr sz="5500" b="1"/>
             </a:lvl2pPr>
             <a:lvl3pPr marL="0" indent="914400" defTabSz="825500">
               <a:lnSpc>
@@ -1737,7 +1760,7 @@
               </a:spcBef>
               <a:buSzTx/>
               <a:buNone/>
-              <a:defRPr b="1" sz="5500"/>
+              <a:defRPr sz="5500" b="1"/>
             </a:lvl3pPr>
             <a:lvl4pPr marL="0" indent="1371600" defTabSz="825500">
               <a:lnSpc>
@@ -1748,7 +1771,7 @@
               </a:spcBef>
               <a:buSzTx/>
               <a:buNone/>
-              <a:defRPr b="1" sz="5500"/>
+              <a:defRPr sz="5500" b="1"/>
             </a:lvl4pPr>
             <a:lvl5pPr marL="0" indent="1828800" defTabSz="825500">
               <a:lnSpc>
@@ -1759,45 +1782,38 @@
               </a:spcBef>
               <a:buSzTx/>
               <a:buNone/>
-              <a:defRPr b="1" sz="5500"/>
+              <a:defRPr sz="5500" b="1"/>
             </a:lvl5pPr>
           </a:lstStyle>
           <a:p>
-            <a:pPr/>
             <a:r>
               <a:t>Υπότιτλος παρουσίασης</a:t>
             </a:r>
           </a:p>
           <a:p>
             <a:pPr lvl="1"/>
-            <a:r>
-              <a:t/>
-            </a:r>
+            <a:endParaRPr/>
           </a:p>
           <a:p>
             <a:pPr lvl="2"/>
-            <a:r>
-              <a:t/>
-            </a:r>
+            <a:endParaRPr/>
           </a:p>
           <a:p>
             <a:pPr lvl="3"/>
-            <a:r>
-              <a:t/>
-            </a:r>
+            <a:endParaRPr/>
           </a:p>
           <a:p>
             <a:pPr lvl="4"/>
-            <a:r>
-              <a:t/>
-            </a:r>
+            <a:endParaRPr/>
           </a:p>
         </p:txBody>
       </p:sp>
       <p:sp>
         <p:nvSpPr>
           <p:cNvPr id="25" name="Slide Number"/>
-          <p:cNvSpPr txBox="1"/>
+          <p:cNvSpPr txBox="1">
+            <a:spLocks noGrp="1"/>
+          </p:cNvSpPr>
           <p:nvPr>
             <p:ph type="sldNum" sz="quarter" idx="2"/>
           </p:nvPr>
@@ -1811,8 +1827,10 @@
           <a:bodyPr/>
           <a:lstStyle/>
           <a:p>
-            <a:pPr/>
-            <a:fld id="{86CB4B4D-7CA3-9044-876B-883B54F8677D}" type="slidenum"/>
+            <a:fld id="{86CB4B4D-7CA3-9044-876B-883B54F8677D}" type="slidenum">
+              <a:t>‹#›</a:t>
+            </a:fld>
+            <a:endParaRPr/>
           </a:p>
         </p:txBody>
       </p:sp>
@@ -1821,12 +1839,12 @@
   <p:clrMapOvr>
     <a:masterClrMapping/>
   </p:clrMapOvr>
-  <p:transition xmlns:p14="http://schemas.microsoft.com/office/powerpoint/2010/main" spd="med" advClick="1"/>
+  <p:transition spd="med"/>
 </p:sldLayout>
 </file>
 
 <file path=ppt/slideLayouts/slideLayout3.xml><?xml version="1.0" encoding="utf-8"?>
-<p:sldLayout xmlns:a="http://schemas.openxmlformats.org/drawingml/2006/main" xmlns:r="http://schemas.openxmlformats.org/officeDocument/2006/relationships" xmlns:p="http://schemas.openxmlformats.org/presentationml/2006/main" xmlns:m="http://schemas.openxmlformats.org/officeDocument/2006/math" xmlns:a14="http://schemas.microsoft.com/office/drawing/2010/main" type="tx" showMasterSp="1" showMasterPhAnim="1">
+<p:sldLayout xmlns:a="http://schemas.openxmlformats.org/drawingml/2006/main" xmlns:r="http://schemas.openxmlformats.org/officeDocument/2006/relationships" xmlns:p="http://schemas.openxmlformats.org/presentationml/2006/main" type="tx">
   <p:cSld name="Εναλλ. τίτλος και φωτογραφία">
     <p:spTree>
       <p:nvGrpSpPr>
@@ -1845,7 +1863,9 @@
       <p:sp>
         <p:nvSpPr>
           <p:cNvPr id="32" name="Μπολ με κεφτέδες σολομού, σαλάτα και χούμους"/>
-          <p:cNvSpPr/>
+          <p:cNvSpPr>
+            <a:spLocks noGrp="1"/>
+          </p:cNvSpPr>
           <p:nvPr>
             <p:ph type="pic" idx="21"/>
           </p:nvPr>
@@ -1865,14 +1885,16 @@
           </a:bodyPr>
           <a:lstStyle/>
           <a:p>
-            <a:pPr/>
+            <a:endParaRPr/>
           </a:p>
         </p:txBody>
       </p:sp>
       <p:sp>
         <p:nvSpPr>
           <p:cNvPr id="33" name="Τίτλος σλάιντ"/>
-          <p:cNvSpPr txBox="1"/>
+          <p:cNvSpPr txBox="1">
+            <a:spLocks noGrp="1"/>
+          </p:cNvSpPr>
           <p:nvPr>
             <p:ph type="title" hasCustomPrompt="1"/>
           </p:nvPr>
@@ -1890,7 +1912,6 @@
           <a:bodyPr anchor="b"/>
           <a:lstStyle/>
           <a:p>
-            <a:pPr/>
             <a:r>
               <a:t>Τίτλος σλάιντ</a:t>
             </a:r>
@@ -1900,7 +1921,9 @@
       <p:sp>
         <p:nvSpPr>
           <p:cNvPr id="34" name="Body Level One…"/>
-          <p:cNvSpPr txBox="1"/>
+          <p:cNvSpPr txBox="1">
+            <a:spLocks noGrp="1"/>
+          </p:cNvSpPr>
           <p:nvPr>
             <p:ph type="body" sz="quarter" idx="1" hasCustomPrompt="1"/>
           </p:nvPr>
@@ -1926,7 +1949,7 @@
               </a:spcBef>
               <a:buSzTx/>
               <a:buNone/>
-              <a:defRPr b="1" sz="5500"/>
+              <a:defRPr sz="5500" b="1"/>
             </a:lvl1pPr>
             <a:lvl2pPr marL="0" indent="457200" defTabSz="825500">
               <a:lnSpc>
@@ -1937,7 +1960,7 @@
               </a:spcBef>
               <a:buSzTx/>
               <a:buNone/>
-              <a:defRPr b="1" sz="5500"/>
+              <a:defRPr sz="5500" b="1"/>
             </a:lvl2pPr>
             <a:lvl3pPr marL="0" indent="914400" defTabSz="825500">
               <a:lnSpc>
@@ -1948,7 +1971,7 @@
               </a:spcBef>
               <a:buSzTx/>
               <a:buNone/>
-              <a:defRPr b="1" sz="5500"/>
+              <a:defRPr sz="5500" b="1"/>
             </a:lvl3pPr>
             <a:lvl4pPr marL="0" indent="1371600" defTabSz="825500">
               <a:lnSpc>
@@ -1959,7 +1982,7 @@
               </a:spcBef>
               <a:buSzTx/>
               <a:buNone/>
-              <a:defRPr b="1" sz="5500"/>
+              <a:defRPr sz="5500" b="1"/>
             </a:lvl4pPr>
             <a:lvl5pPr marL="0" indent="1828800" defTabSz="825500">
               <a:lnSpc>
@@ -1970,45 +1993,38 @@
               </a:spcBef>
               <a:buSzTx/>
               <a:buNone/>
-              <a:defRPr b="1" sz="5500"/>
+              <a:defRPr sz="5500" b="1"/>
             </a:lvl5pPr>
           </a:lstStyle>
           <a:p>
-            <a:pPr/>
             <a:r>
               <a:t>Υπότιτλος σλάιντ</a:t>
             </a:r>
           </a:p>
           <a:p>
             <a:pPr lvl="1"/>
-            <a:r>
-              <a:t/>
-            </a:r>
+            <a:endParaRPr/>
           </a:p>
           <a:p>
             <a:pPr lvl="2"/>
-            <a:r>
-              <a:t/>
-            </a:r>
+            <a:endParaRPr/>
           </a:p>
           <a:p>
             <a:pPr lvl="3"/>
-            <a:r>
-              <a:t/>
-            </a:r>
+            <a:endParaRPr/>
           </a:p>
           <a:p>
             <a:pPr lvl="4"/>
-            <a:r>
-              <a:t/>
-            </a:r>
+            <a:endParaRPr/>
           </a:p>
         </p:txBody>
       </p:sp>
       <p:sp>
         <p:nvSpPr>
           <p:cNvPr id="35" name="Slide Number"/>
-          <p:cNvSpPr txBox="1"/>
+          <p:cNvSpPr txBox="1">
+            <a:spLocks noGrp="1"/>
+          </p:cNvSpPr>
           <p:nvPr>
             <p:ph type="sldNum" sz="quarter" idx="2"/>
           </p:nvPr>
@@ -2026,8 +2042,10 @@
           <a:bodyPr/>
           <a:lstStyle/>
           <a:p>
-            <a:pPr/>
-            <a:fld id="{86CB4B4D-7CA3-9044-876B-883B54F8677D}" type="slidenum"/>
+            <a:fld id="{86CB4B4D-7CA3-9044-876B-883B54F8677D}" type="slidenum">
+              <a:t>‹#›</a:t>
+            </a:fld>
+            <a:endParaRPr/>
           </a:p>
         </p:txBody>
       </p:sp>
@@ -2036,12 +2054,12 @@
   <p:clrMapOvr>
     <a:masterClrMapping/>
   </p:clrMapOvr>
-  <p:transition xmlns:p14="http://schemas.microsoft.com/office/powerpoint/2010/main" spd="med" advClick="1"/>
+  <p:transition spd="med"/>
 </p:sldLayout>
 </file>
 
 <file path=ppt/slideLayouts/slideLayout4.xml><?xml version="1.0" encoding="utf-8"?>
-<p:sldLayout xmlns:a="http://schemas.openxmlformats.org/drawingml/2006/main" xmlns:r="http://schemas.openxmlformats.org/officeDocument/2006/relationships" xmlns:p="http://schemas.openxmlformats.org/presentationml/2006/main" xmlns:m="http://schemas.openxmlformats.org/officeDocument/2006/math" xmlns:a14="http://schemas.microsoft.com/office/drawing/2010/main" type="tx" showMasterSp="1" showMasterPhAnim="1">
+<p:sldLayout xmlns:a="http://schemas.openxmlformats.org/drawingml/2006/main" xmlns:r="http://schemas.openxmlformats.org/officeDocument/2006/relationships" xmlns:p="http://schemas.openxmlformats.org/presentationml/2006/main" type="tx">
   <p:cSld name="Τίτλος και κουκκίδες">
     <p:spTree>
       <p:nvGrpSpPr>
@@ -2060,7 +2078,9 @@
       <p:sp>
         <p:nvSpPr>
           <p:cNvPr id="42" name="Τίτλος σλάιντ"/>
-          <p:cNvSpPr txBox="1"/>
+          <p:cNvSpPr txBox="1">
+            <a:spLocks noGrp="1"/>
+          </p:cNvSpPr>
           <p:nvPr>
             <p:ph type="title" hasCustomPrompt="1"/>
           </p:nvPr>
@@ -2074,7 +2094,6 @@
           <a:bodyPr/>
           <a:lstStyle/>
           <a:p>
-            <a:pPr/>
             <a:r>
               <a:t>Τίτλος σλάιντ</a:t>
             </a:r>
@@ -2084,7 +2103,9 @@
       <p:sp>
         <p:nvSpPr>
           <p:cNvPr id="43" name="Υπότιτλος σλάιντ"/>
-          <p:cNvSpPr txBox="1"/>
+          <p:cNvSpPr txBox="1">
+            <a:spLocks noGrp="1"/>
+          </p:cNvSpPr>
           <p:nvPr>
             <p:ph type="body" sz="quarter" idx="21" hasCustomPrompt="1"/>
           </p:nvPr>
@@ -2110,11 +2131,10 @@
               </a:spcBef>
               <a:buSzTx/>
               <a:buNone/>
-              <a:defRPr b="1" sz="5500"/>
+              <a:defRPr sz="5500" b="1"/>
             </a:lvl1pPr>
           </a:lstStyle>
           <a:p>
-            <a:pPr/>
             <a:r>
               <a:t>Υπότιτλος σλάιντ</a:t>
             </a:r>
@@ -2124,7 +2144,9 @@
       <p:sp>
         <p:nvSpPr>
           <p:cNvPr id="44" name="Body Level One…"/>
-          <p:cNvSpPr txBox="1"/>
+          <p:cNvSpPr txBox="1">
+            <a:spLocks noGrp="1"/>
+          </p:cNvSpPr>
           <p:nvPr>
             <p:ph type="body" idx="1" hasCustomPrompt="1"/>
           </p:nvPr>
@@ -2138,41 +2160,34 @@
           <a:bodyPr/>
           <a:lstStyle/>
           <a:p>
-            <a:pPr/>
             <a:r>
               <a:t>Κείμενο κουκκίδων σλάιντ</a:t>
             </a:r>
           </a:p>
           <a:p>
             <a:pPr lvl="1"/>
-            <a:r>
-              <a:t/>
-            </a:r>
+            <a:endParaRPr/>
           </a:p>
           <a:p>
             <a:pPr lvl="2"/>
-            <a:r>
-              <a:t/>
-            </a:r>
+            <a:endParaRPr/>
           </a:p>
           <a:p>
             <a:pPr lvl="3"/>
-            <a:r>
-              <a:t/>
-            </a:r>
+            <a:endParaRPr/>
           </a:p>
           <a:p>
             <a:pPr lvl="4"/>
-            <a:r>
-              <a:t/>
-            </a:r>
+            <a:endParaRPr/>
           </a:p>
         </p:txBody>
       </p:sp>
       <p:sp>
         <p:nvSpPr>
           <p:cNvPr id="45" name="Slide Number"/>
-          <p:cNvSpPr txBox="1"/>
+          <p:cNvSpPr txBox="1">
+            <a:spLocks noGrp="1"/>
+          </p:cNvSpPr>
           <p:nvPr>
             <p:ph type="sldNum" sz="quarter" idx="2"/>
           </p:nvPr>
@@ -2186,8 +2201,10 @@
           <a:bodyPr/>
           <a:lstStyle/>
           <a:p>
-            <a:pPr/>
-            <a:fld id="{86CB4B4D-7CA3-9044-876B-883B54F8677D}" type="slidenum"/>
+            <a:fld id="{86CB4B4D-7CA3-9044-876B-883B54F8677D}" type="slidenum">
+              <a:t>‹#›</a:t>
+            </a:fld>
+            <a:endParaRPr/>
           </a:p>
         </p:txBody>
       </p:sp>
@@ -2196,12 +2213,12 @@
   <p:clrMapOvr>
     <a:masterClrMapping/>
   </p:clrMapOvr>
-  <p:transition xmlns:p14="http://schemas.microsoft.com/office/powerpoint/2010/main" spd="med" advClick="1"/>
+  <p:transition spd="med"/>
 </p:sldLayout>
 </file>
 
 <file path=ppt/slideLayouts/slideLayout5.xml><?xml version="1.0" encoding="utf-8"?>
-<p:sldLayout xmlns:a="http://schemas.openxmlformats.org/drawingml/2006/main" xmlns:r="http://schemas.openxmlformats.org/officeDocument/2006/relationships" xmlns:p="http://schemas.openxmlformats.org/presentationml/2006/main" xmlns:m="http://schemas.openxmlformats.org/officeDocument/2006/math" xmlns:a14="http://schemas.microsoft.com/office/drawing/2010/main" type="tx" showMasterSp="1" showMasterPhAnim="1">
+<p:sldLayout xmlns:a="http://schemas.openxmlformats.org/drawingml/2006/main" xmlns:r="http://schemas.openxmlformats.org/officeDocument/2006/relationships" xmlns:p="http://schemas.openxmlformats.org/presentationml/2006/main" type="tx">
   <p:cSld name="Κουκκίδες">
     <p:spTree>
       <p:nvGrpSpPr>
@@ -2220,7 +2237,9 @@
       <p:sp>
         <p:nvSpPr>
           <p:cNvPr id="52" name="Body Level One…"/>
-          <p:cNvSpPr txBox="1"/>
+          <p:cNvSpPr txBox="1">
+            <a:spLocks noGrp="1"/>
+          </p:cNvSpPr>
           <p:nvPr>
             <p:ph type="body" idx="1" hasCustomPrompt="1"/>
           </p:nvPr>
@@ -2234,41 +2253,34 @@
           <a:bodyPr numCol="2" spcCol="1098550"/>
           <a:lstStyle/>
           <a:p>
-            <a:pPr/>
             <a:r>
               <a:t>Κείμενο κουκκίδων σλάιντ</a:t>
             </a:r>
           </a:p>
           <a:p>
             <a:pPr lvl="1"/>
-            <a:r>
-              <a:t/>
-            </a:r>
+            <a:endParaRPr/>
           </a:p>
           <a:p>
             <a:pPr lvl="2"/>
-            <a:r>
-              <a:t/>
-            </a:r>
+            <a:endParaRPr/>
           </a:p>
           <a:p>
             <a:pPr lvl="3"/>
-            <a:r>
-              <a:t/>
-            </a:r>
+            <a:endParaRPr/>
           </a:p>
           <a:p>
             <a:pPr lvl="4"/>
-            <a:r>
-              <a:t/>
-            </a:r>
+            <a:endParaRPr/>
           </a:p>
         </p:txBody>
       </p:sp>
       <p:sp>
         <p:nvSpPr>
           <p:cNvPr id="53" name="Slide Number"/>
-          <p:cNvSpPr txBox="1"/>
+          <p:cNvSpPr txBox="1">
+            <a:spLocks noGrp="1"/>
+          </p:cNvSpPr>
           <p:nvPr>
             <p:ph type="sldNum" sz="quarter" idx="2"/>
           </p:nvPr>
@@ -2282,8 +2294,10 @@
           <a:bodyPr/>
           <a:lstStyle/>
           <a:p>
-            <a:pPr/>
-            <a:fld id="{86CB4B4D-7CA3-9044-876B-883B54F8677D}" type="slidenum"/>
+            <a:fld id="{86CB4B4D-7CA3-9044-876B-883B54F8677D}" type="slidenum">
+              <a:t>‹#›</a:t>
+            </a:fld>
+            <a:endParaRPr/>
           </a:p>
         </p:txBody>
       </p:sp>
@@ -2292,12 +2306,12 @@
   <p:clrMapOvr>
     <a:masterClrMapping/>
   </p:clrMapOvr>
-  <p:transition xmlns:p14="http://schemas.microsoft.com/office/powerpoint/2010/main" spd="med" advClick="1"/>
+  <p:transition spd="med"/>
 </p:sldLayout>
 </file>
 
 <file path=ppt/slideLayouts/slideLayout6.xml><?xml version="1.0" encoding="utf-8"?>
-<p:sldLayout xmlns:a="http://schemas.openxmlformats.org/drawingml/2006/main" xmlns:r="http://schemas.openxmlformats.org/officeDocument/2006/relationships" xmlns:p="http://schemas.openxmlformats.org/presentationml/2006/main" xmlns:m="http://schemas.openxmlformats.org/officeDocument/2006/math" xmlns:a14="http://schemas.microsoft.com/office/drawing/2010/main" type="tx" showMasterSp="1" showMasterPhAnim="1">
+<p:sldLayout xmlns:a="http://schemas.openxmlformats.org/drawingml/2006/main" xmlns:r="http://schemas.openxmlformats.org/officeDocument/2006/relationships" xmlns:p="http://schemas.openxmlformats.org/presentationml/2006/main" type="tx">
   <p:cSld name="Τίτλος, κουκκίδες και φωτογραφίες">
     <p:spTree>
       <p:nvGrpSpPr>
@@ -2316,7 +2330,9 @@
       <p:sp>
         <p:nvSpPr>
           <p:cNvPr id="60" name="Υπότιτλος σλάιντ"/>
-          <p:cNvSpPr txBox="1"/>
+          <p:cNvSpPr txBox="1">
+            <a:spLocks noGrp="1"/>
+          </p:cNvSpPr>
           <p:nvPr>
             <p:ph type="body" sz="quarter" idx="21" hasCustomPrompt="1"/>
           </p:nvPr>
@@ -2342,11 +2358,10 @@
               </a:spcBef>
               <a:buSzTx/>
               <a:buNone/>
-              <a:defRPr b="1" sz="5500"/>
+              <a:defRPr sz="5500" b="1"/>
             </a:lvl1pPr>
           </a:lstStyle>
           <a:p>
-            <a:pPr/>
             <a:r>
               <a:t>Υπότιτλος σλάιντ</a:t>
             </a:r>
@@ -2356,7 +2371,9 @@
       <p:sp>
         <p:nvSpPr>
           <p:cNvPr id="61" name="Body Level One…"/>
-          <p:cNvSpPr txBox="1"/>
+          <p:cNvSpPr txBox="1">
+            <a:spLocks noGrp="1"/>
+          </p:cNvSpPr>
           <p:nvPr>
             <p:ph type="body" sz="half" idx="1" hasCustomPrompt="1"/>
           </p:nvPr>
@@ -2374,41 +2391,34 @@
           <a:bodyPr/>
           <a:lstStyle/>
           <a:p>
-            <a:pPr/>
             <a:r>
               <a:t>Κείμενο κουκκίδων σλάιντ</a:t>
             </a:r>
           </a:p>
           <a:p>
             <a:pPr lvl="1"/>
-            <a:r>
-              <a:t/>
-            </a:r>
+            <a:endParaRPr/>
           </a:p>
           <a:p>
             <a:pPr lvl="2"/>
-            <a:r>
-              <a:t/>
-            </a:r>
+            <a:endParaRPr/>
           </a:p>
           <a:p>
             <a:pPr lvl="3"/>
-            <a:r>
-              <a:t/>
-            </a:r>
+            <a:endParaRPr/>
           </a:p>
           <a:p>
             <a:pPr lvl="4"/>
-            <a:r>
-              <a:t/>
-            </a:r>
+            <a:endParaRPr/>
           </a:p>
         </p:txBody>
       </p:sp>
       <p:sp>
         <p:nvSpPr>
           <p:cNvPr id="62" name="Μπολ με παπαρδέλες, βούτυρο μαϊντανού, καβουρντισμένα φουντούκια και τριμμένη παρμεζάνα"/>
-          <p:cNvSpPr/>
+          <p:cNvSpPr>
+            <a:spLocks noGrp="1"/>
+          </p:cNvSpPr>
           <p:nvPr>
             <p:ph type="pic" idx="22"/>
           </p:nvPr>
@@ -2428,14 +2438,16 @@
           </a:bodyPr>
           <a:lstStyle/>
           <a:p>
-            <a:pPr/>
+            <a:endParaRPr/>
           </a:p>
         </p:txBody>
       </p:sp>
       <p:sp>
         <p:nvSpPr>
           <p:cNvPr id="63" name="Τίτλος σλάιντ"/>
-          <p:cNvSpPr txBox="1"/>
+          <p:cNvSpPr txBox="1">
+            <a:spLocks noGrp="1"/>
+          </p:cNvSpPr>
           <p:nvPr>
             <p:ph type="title" hasCustomPrompt="1"/>
           </p:nvPr>
@@ -2453,7 +2465,6 @@
           <a:bodyPr/>
           <a:lstStyle/>
           <a:p>
-            <a:pPr/>
             <a:r>
               <a:t>Τίτλος σλάιντ</a:t>
             </a:r>
@@ -2463,7 +2474,9 @@
       <p:sp>
         <p:nvSpPr>
           <p:cNvPr id="64" name="Slide Number"/>
-          <p:cNvSpPr txBox="1"/>
+          <p:cNvSpPr txBox="1">
+            <a:spLocks noGrp="1"/>
+          </p:cNvSpPr>
           <p:nvPr>
             <p:ph type="sldNum" sz="quarter" idx="2"/>
           </p:nvPr>
@@ -2477,8 +2490,10 @@
           <a:bodyPr/>
           <a:lstStyle/>
           <a:p>
-            <a:pPr/>
-            <a:fld id="{86CB4B4D-7CA3-9044-876B-883B54F8677D}" type="slidenum"/>
+            <a:fld id="{86CB4B4D-7CA3-9044-876B-883B54F8677D}" type="slidenum">
+              <a:t>‹#›</a:t>
+            </a:fld>
+            <a:endParaRPr/>
           </a:p>
         </p:txBody>
       </p:sp>
@@ -2487,12 +2502,12 @@
   <p:clrMapOvr>
     <a:masterClrMapping/>
   </p:clrMapOvr>
-  <p:transition xmlns:p14="http://schemas.microsoft.com/office/powerpoint/2010/main" spd="med" advClick="1"/>
+  <p:transition spd="med"/>
 </p:sldLayout>
 </file>
 
 <file path=ppt/slideLayouts/slideLayout7.xml><?xml version="1.0" encoding="utf-8"?>
-<p:sldLayout xmlns:a="http://schemas.openxmlformats.org/drawingml/2006/main" xmlns:r="http://schemas.openxmlformats.org/officeDocument/2006/relationships" xmlns:p="http://schemas.openxmlformats.org/presentationml/2006/main" xmlns:m="http://schemas.openxmlformats.org/officeDocument/2006/math" xmlns:a14="http://schemas.microsoft.com/office/drawing/2010/main" type="tx" showMasterSp="1" showMasterPhAnim="1">
+<p:sldLayout xmlns:a="http://schemas.openxmlformats.org/drawingml/2006/main" xmlns:r="http://schemas.openxmlformats.org/officeDocument/2006/relationships" xmlns:p="http://schemas.openxmlformats.org/presentationml/2006/main" type="tx">
   <p:cSld name="Ενότητα">
     <p:spTree>
       <p:nvGrpSpPr>
@@ -2511,7 +2526,9 @@
       <p:sp>
         <p:nvSpPr>
           <p:cNvPr id="71" name="Τίτλος ενότητας"/>
-          <p:cNvSpPr txBox="1"/>
+          <p:cNvSpPr txBox="1">
+            <a:spLocks noGrp="1"/>
+          </p:cNvSpPr>
           <p:nvPr>
             <p:ph type="title" hasCustomPrompt="1"/>
           </p:nvPr>
@@ -2529,7 +2546,7 @@
           <a:bodyPr anchor="ctr"/>
           <a:lstStyle>
             <a:lvl1pPr>
-              <a:defRPr b="0" spc="-232" sz="11600">
+              <a:defRPr sz="11600" b="0" spc="-232">
                 <a:latin typeface="Helvetica Neue Medium"/>
                 <a:ea typeface="Helvetica Neue Medium"/>
                 <a:cs typeface="Helvetica Neue Medium"/>
@@ -2538,7 +2555,6 @@
             </a:lvl1pPr>
           </a:lstStyle>
           <a:p>
-            <a:pPr/>
             <a:r>
               <a:t>Τίτλος ενότητας</a:t>
             </a:r>
@@ -2548,7 +2564,9 @@
       <p:sp>
         <p:nvSpPr>
           <p:cNvPr id="72" name="Slide Number"/>
-          <p:cNvSpPr txBox="1"/>
+          <p:cNvSpPr txBox="1">
+            <a:spLocks noGrp="1"/>
+          </p:cNvSpPr>
           <p:nvPr>
             <p:ph type="sldNum" sz="quarter" idx="2"/>
           </p:nvPr>
@@ -2566,8 +2584,10 @@
           <a:bodyPr/>
           <a:lstStyle/>
           <a:p>
-            <a:pPr/>
-            <a:fld id="{86CB4B4D-7CA3-9044-876B-883B54F8677D}" type="slidenum"/>
+            <a:fld id="{86CB4B4D-7CA3-9044-876B-883B54F8677D}" type="slidenum">
+              <a:t>‹#›</a:t>
+            </a:fld>
+            <a:endParaRPr/>
           </a:p>
         </p:txBody>
       </p:sp>
@@ -2576,12 +2596,12 @@
   <p:clrMapOvr>
     <a:masterClrMapping/>
   </p:clrMapOvr>
-  <p:transition xmlns:p14="http://schemas.microsoft.com/office/powerpoint/2010/main" spd="med" advClick="1"/>
+  <p:transition spd="med"/>
 </p:sldLayout>
 </file>
 
 <file path=ppt/slideLayouts/slideLayout8.xml><?xml version="1.0" encoding="utf-8"?>
-<p:sldLayout xmlns:a="http://schemas.openxmlformats.org/drawingml/2006/main" xmlns:r="http://schemas.openxmlformats.org/officeDocument/2006/relationships" xmlns:p="http://schemas.openxmlformats.org/presentationml/2006/main" xmlns:m="http://schemas.openxmlformats.org/officeDocument/2006/math" xmlns:a14="http://schemas.microsoft.com/office/drawing/2010/main" type="tx" showMasterSp="1" showMasterPhAnim="1">
+<p:sldLayout xmlns:a="http://schemas.openxmlformats.org/drawingml/2006/main" xmlns:r="http://schemas.openxmlformats.org/officeDocument/2006/relationships" xmlns:p="http://schemas.openxmlformats.org/presentationml/2006/main" type="tx">
   <p:cSld name="Μόνο τίτλος">
     <p:spTree>
       <p:nvGrpSpPr>
@@ -2600,7 +2620,9 @@
       <p:sp>
         <p:nvSpPr>
           <p:cNvPr id="79" name="Τίτλος σλάιντ"/>
-          <p:cNvSpPr txBox="1"/>
+          <p:cNvSpPr txBox="1">
+            <a:spLocks noGrp="1"/>
+          </p:cNvSpPr>
           <p:nvPr>
             <p:ph type="title" hasCustomPrompt="1"/>
           </p:nvPr>
@@ -2618,7 +2640,6 @@
           <a:bodyPr/>
           <a:lstStyle/>
           <a:p>
-            <a:pPr/>
             <a:r>
               <a:t>Τίτλος σλάιντ</a:t>
             </a:r>
@@ -2628,7 +2649,9 @@
       <p:sp>
         <p:nvSpPr>
           <p:cNvPr id="80" name="Υπότιτλος σλάιντ"/>
-          <p:cNvSpPr txBox="1"/>
+          <p:cNvSpPr txBox="1">
+            <a:spLocks noGrp="1"/>
+          </p:cNvSpPr>
           <p:nvPr>
             <p:ph type="body" sz="quarter" idx="21" hasCustomPrompt="1"/>
           </p:nvPr>
@@ -2654,11 +2677,10 @@
               </a:spcBef>
               <a:buSzTx/>
               <a:buNone/>
-              <a:defRPr b="1" sz="5500"/>
+              <a:defRPr sz="5500" b="1"/>
             </a:lvl1pPr>
           </a:lstStyle>
           <a:p>
-            <a:pPr/>
             <a:r>
               <a:t>Υπότιτλος σλάιντ</a:t>
             </a:r>
@@ -2668,7 +2690,9 @@
       <p:sp>
         <p:nvSpPr>
           <p:cNvPr id="81" name="Slide Number"/>
-          <p:cNvSpPr txBox="1"/>
+          <p:cNvSpPr txBox="1">
+            <a:spLocks noGrp="1"/>
+          </p:cNvSpPr>
           <p:nvPr>
             <p:ph type="sldNum" sz="quarter" idx="2"/>
           </p:nvPr>
@@ -2682,8 +2706,10 @@
           <a:bodyPr/>
           <a:lstStyle/>
           <a:p>
-            <a:pPr/>
-            <a:fld id="{86CB4B4D-7CA3-9044-876B-883B54F8677D}" type="slidenum"/>
+            <a:fld id="{86CB4B4D-7CA3-9044-876B-883B54F8677D}" type="slidenum">
+              <a:t>‹#›</a:t>
+            </a:fld>
+            <a:endParaRPr/>
           </a:p>
         </p:txBody>
       </p:sp>
@@ -2692,12 +2718,12 @@
   <p:clrMapOvr>
     <a:masterClrMapping/>
   </p:clrMapOvr>
-  <p:transition xmlns:p14="http://schemas.microsoft.com/office/powerpoint/2010/main" spd="med" advClick="1"/>
+  <p:transition spd="med"/>
 </p:sldLayout>
 </file>
 
 <file path=ppt/slideLayouts/slideLayout9.xml><?xml version="1.0" encoding="utf-8"?>
-<p:sldLayout xmlns:a="http://schemas.openxmlformats.org/drawingml/2006/main" xmlns:r="http://schemas.openxmlformats.org/officeDocument/2006/relationships" xmlns:p="http://schemas.openxmlformats.org/presentationml/2006/main" xmlns:m="http://schemas.openxmlformats.org/officeDocument/2006/math" xmlns:a14="http://schemas.microsoft.com/office/drawing/2010/main" type="tx" showMasterSp="1" showMasterPhAnim="1">
+<p:sldLayout xmlns:a="http://schemas.openxmlformats.org/drawingml/2006/main" xmlns:r="http://schemas.openxmlformats.org/officeDocument/2006/relationships" xmlns:p="http://schemas.openxmlformats.org/presentationml/2006/main" type="tx">
   <p:cSld name="Ατζέντα">
     <p:spTree>
       <p:nvGrpSpPr>
@@ -2716,7 +2742,9 @@
       <p:sp>
         <p:nvSpPr>
           <p:cNvPr id="88" name="Τίτλος αντζέντας"/>
-          <p:cNvSpPr txBox="1"/>
+          <p:cNvSpPr txBox="1">
+            <a:spLocks noGrp="1"/>
+          </p:cNvSpPr>
           <p:nvPr>
             <p:ph type="title" hasCustomPrompt="1"/>
           </p:nvPr>
@@ -2734,7 +2762,6 @@
           <a:bodyPr/>
           <a:lstStyle/>
           <a:p>
-            <a:pPr/>
             <a:r>
               <a:t>Τίτλος αντζέντας</a:t>
             </a:r>
@@ -2744,7 +2771,9 @@
       <p:sp>
         <p:nvSpPr>
           <p:cNvPr id="89" name="Υπότιτλος αντζέντας"/>
-          <p:cNvSpPr txBox="1"/>
+          <p:cNvSpPr txBox="1">
+            <a:spLocks noGrp="1"/>
+          </p:cNvSpPr>
           <p:nvPr>
             <p:ph type="body" sz="quarter" idx="21" hasCustomPrompt="1"/>
           </p:nvPr>
@@ -2770,11 +2799,10 @@
               </a:spcBef>
               <a:buSzTx/>
               <a:buNone/>
-              <a:defRPr b="1" sz="5500"/>
+              <a:defRPr sz="5500" b="1"/>
             </a:lvl1pPr>
           </a:lstStyle>
           <a:p>
-            <a:pPr/>
             <a:r>
               <a:t>Υπότιτλος αντζέντας</a:t>
             </a:r>
@@ -2784,7 +2812,9 @@
       <p:sp>
         <p:nvSpPr>
           <p:cNvPr id="90" name="Body Level One…"/>
-          <p:cNvSpPr txBox="1"/>
+          <p:cNvSpPr txBox="1">
+            <a:spLocks noGrp="1"/>
+          </p:cNvSpPr>
           <p:nvPr>
             <p:ph type="body" idx="1" hasCustomPrompt="1"/>
           </p:nvPr>
@@ -2806,7 +2836,7 @@
               </a:spcBef>
               <a:buSzTx/>
               <a:buNone/>
-              <a:defRPr spc="-55" sz="5500"/>
+              <a:defRPr sz="5500" spc="-55"/>
             </a:lvl1pPr>
             <a:lvl2pPr marL="0" indent="457200" defTabSz="825500">
               <a:lnSpc>
@@ -2817,7 +2847,7 @@
               </a:spcBef>
               <a:buSzTx/>
               <a:buNone/>
-              <a:defRPr spc="-55" sz="5500"/>
+              <a:defRPr sz="5500" spc="-55"/>
             </a:lvl2pPr>
             <a:lvl3pPr marL="0" indent="914400" defTabSz="825500">
               <a:lnSpc>
@@ -2828,7 +2858,7 @@
               </a:spcBef>
               <a:buSzTx/>
               <a:buNone/>
-              <a:defRPr spc="-55" sz="5500"/>
+              <a:defRPr sz="5500" spc="-55"/>
             </a:lvl3pPr>
             <a:lvl4pPr marL="0" indent="1371600" defTabSz="825500">
               <a:lnSpc>
@@ -2839,7 +2869,7 @@
               </a:spcBef>
               <a:buSzTx/>
               <a:buNone/>
-              <a:defRPr spc="-55" sz="5500"/>
+              <a:defRPr sz="5500" spc="-55"/>
             </a:lvl4pPr>
             <a:lvl5pPr marL="0" indent="1828800" defTabSz="825500">
               <a:lnSpc>
@@ -2850,45 +2880,38 @@
               </a:spcBef>
               <a:buSzTx/>
               <a:buNone/>
-              <a:defRPr spc="-55" sz="5500"/>
+              <a:defRPr sz="5500" spc="-55"/>
             </a:lvl5pPr>
           </a:lstStyle>
           <a:p>
-            <a:pPr/>
             <a:r>
               <a:t>Θέματα αντζέντας</a:t>
             </a:r>
           </a:p>
           <a:p>
             <a:pPr lvl="1"/>
-            <a:r>
-              <a:t/>
-            </a:r>
+            <a:endParaRPr/>
           </a:p>
           <a:p>
             <a:pPr lvl="2"/>
-            <a:r>
-              <a:t/>
-            </a:r>
+            <a:endParaRPr/>
           </a:p>
           <a:p>
             <a:pPr lvl="3"/>
-            <a:r>
-              <a:t/>
-            </a:r>
+            <a:endParaRPr/>
           </a:p>
           <a:p>
             <a:pPr lvl="4"/>
-            <a:r>
-              <a:t/>
-            </a:r>
+            <a:endParaRPr/>
           </a:p>
         </p:txBody>
       </p:sp>
       <p:sp>
         <p:nvSpPr>
           <p:cNvPr id="91" name="Slide Number"/>
-          <p:cNvSpPr txBox="1"/>
+          <p:cNvSpPr txBox="1">
+            <a:spLocks noGrp="1"/>
+          </p:cNvSpPr>
           <p:nvPr>
             <p:ph type="sldNum" sz="quarter" idx="2"/>
           </p:nvPr>
@@ -2902,8 +2925,10 @@
           <a:bodyPr/>
           <a:lstStyle/>
           <a:p>
-            <a:pPr/>
-            <a:fld id="{86CB4B4D-7CA3-9044-876B-883B54F8677D}" type="slidenum"/>
+            <a:fld id="{86CB4B4D-7CA3-9044-876B-883B54F8677D}" type="slidenum">
+              <a:t>‹#›</a:t>
+            </a:fld>
+            <a:endParaRPr/>
           </a:p>
         </p:txBody>
       </p:sp>
@@ -2912,18 +2937,19 @@
   <p:clrMapOvr>
     <a:masterClrMapping/>
   </p:clrMapOvr>
-  <p:transition xmlns:p14="http://schemas.microsoft.com/office/powerpoint/2010/main" spd="med" advClick="1"/>
+  <p:transition spd="med"/>
 </p:sldLayout>
 </file>
 
 <file path=ppt/slideMasters/slideMaster1.xml><?xml version="1.0" encoding="utf-8"?>
-<p:sldMaster xmlns:a="http://schemas.openxmlformats.org/drawingml/2006/main" xmlns:r="http://schemas.openxmlformats.org/officeDocument/2006/relationships" xmlns:p="http://schemas.openxmlformats.org/presentationml/2006/main" xmlns:m="http://schemas.openxmlformats.org/officeDocument/2006/math" xmlns:a14="http://schemas.microsoft.com/office/drawing/2010/main">
+<p:sldMaster xmlns:a="http://schemas.openxmlformats.org/drawingml/2006/main" xmlns:r="http://schemas.openxmlformats.org/officeDocument/2006/relationships" xmlns:p="http://schemas.openxmlformats.org/presentationml/2006/main">
   <p:cSld>
     <p:bg>
       <p:bgPr>
         <a:solidFill>
           <a:srgbClr val="FFFFFF"/>
         </a:solidFill>
+        <a:effectLst/>
       </p:bgPr>
     </p:bg>
     <p:spTree>
@@ -2943,7 +2969,9 @@
       <p:sp>
         <p:nvSpPr>
           <p:cNvPr id="2" name="Τίτλος σλάιντ"/>
-          <p:cNvSpPr txBox="1"/>
+          <p:cNvSpPr txBox="1">
+            <a:spLocks noGrp="1"/>
+          </p:cNvSpPr>
           <p:nvPr>
             <p:ph type="title" hasCustomPrompt="1"/>
           </p:nvPr>
@@ -2961,17 +2989,16 @@
           </a:ln>
           <a:extLst>
             <a:ext uri="{C572A759-6A51-4108-AA02-DFA0A04FC94B}">
-              <ma14:wrappingTextBoxFlag xmlns:ma14="http://schemas.microsoft.com/office/mac/drawingml/2011/main" val="1"/>
+              <ma14:wrappingTextBoxFlag xmlns:ma14="http://schemas.microsoft.com/office/mac/drawingml/2011/main" xmlns:a14="http://schemas.microsoft.com/office/drawing/2010/main" xmlns:m="http://schemas.openxmlformats.org/officeDocument/2006/math" xmlns="" val="1"/>
             </a:ext>
           </a:extLst>
         </p:spPr>
         <p:txBody>
           <a:bodyPr lIns="50800" tIns="50800" rIns="50800" bIns="50800">
-            <a:normAutofit fontScale="100000" lnSpcReduction="0"/>
+            <a:normAutofit/>
           </a:bodyPr>
           <a:lstStyle/>
           <a:p>
-            <a:pPr/>
             <a:r>
               <a:t>Τίτλος σλάιντ</a:t>
             </a:r>
@@ -2981,7 +3008,9 @@
       <p:sp>
         <p:nvSpPr>
           <p:cNvPr id="3" name="Body Level One…"/>
-          <p:cNvSpPr txBox="1"/>
+          <p:cNvSpPr txBox="1">
+            <a:spLocks noGrp="1"/>
+          </p:cNvSpPr>
           <p:nvPr>
             <p:ph type="body" idx="1" hasCustomPrompt="1"/>
           </p:nvPr>
@@ -2999,51 +3028,44 @@
           </a:ln>
           <a:extLst>
             <a:ext uri="{C572A759-6A51-4108-AA02-DFA0A04FC94B}">
-              <ma14:wrappingTextBoxFlag xmlns:ma14="http://schemas.microsoft.com/office/mac/drawingml/2011/main" val="1"/>
+              <ma14:wrappingTextBoxFlag xmlns:ma14="http://schemas.microsoft.com/office/mac/drawingml/2011/main" xmlns:a14="http://schemas.microsoft.com/office/drawing/2010/main" xmlns:m="http://schemas.openxmlformats.org/officeDocument/2006/math" xmlns="" val="1"/>
             </a:ext>
           </a:extLst>
         </p:spPr>
         <p:txBody>
           <a:bodyPr lIns="50800" tIns="50800" rIns="50800" bIns="50800">
-            <a:normAutofit fontScale="100000" lnSpcReduction="0"/>
+            <a:normAutofit/>
           </a:bodyPr>
           <a:lstStyle/>
           <a:p>
-            <a:pPr/>
             <a:r>
               <a:t>Κείμενο κουκκίδων σλάιντ</a:t>
             </a:r>
           </a:p>
           <a:p>
             <a:pPr lvl="1"/>
-            <a:r>
-              <a:t/>
-            </a:r>
+            <a:endParaRPr/>
           </a:p>
           <a:p>
             <a:pPr lvl="2"/>
-            <a:r>
-              <a:t/>
-            </a:r>
+            <a:endParaRPr/>
           </a:p>
           <a:p>
             <a:pPr lvl="3"/>
-            <a:r>
-              <a:t/>
-            </a:r>
+            <a:endParaRPr/>
           </a:p>
           <a:p>
             <a:pPr lvl="4"/>
-            <a:r>
-              <a:t/>
-            </a:r>
+            <a:endParaRPr/>
           </a:p>
         </p:txBody>
       </p:sp>
       <p:sp>
         <p:nvSpPr>
           <p:cNvPr id="4" name="Slide Number"/>
-          <p:cNvSpPr txBox="1"/>
+          <p:cNvSpPr txBox="1">
+            <a:spLocks noGrp="1"/>
+          </p:cNvSpPr>
           <p:nvPr>
             <p:ph type="sldNum" sz="quarter" idx="2"/>
           </p:nvPr>
@@ -3074,8 +3096,10 @@
             </a:lvl1pPr>
           </a:lstStyle>
           <a:p>
-            <a:pPr/>
-            <a:fld id="{86CB4B4D-7CA3-9044-876B-883B54F8677D}" type="slidenum"/>
+            <a:fld id="{86CB4B4D-7CA3-9044-876B-883B54F8677D}" type="slidenum">
+              <a:t>‹#›</a:t>
+            </a:fld>
+            <a:endParaRPr/>
           </a:p>
         </p:txBody>
       </p:sp>
@@ -3083,23 +3107,23 @@
   </p:cSld>
   <p:clrMap bg1="lt1" tx1="dk1" bg2="lt2" tx2="dk2" accent1="accent1" accent2="accent2" accent3="accent3" accent4="accent4" accent5="accent5" accent6="accent6" hlink="hlink" folHlink="folHlink"/>
   <p:sldLayoutIdLst>
-    <p:sldLayoutId id="2147483649" r:id="rId2"/>
-    <p:sldLayoutId id="2147483650" r:id="rId3"/>
-    <p:sldLayoutId id="2147483651" r:id="rId4"/>
-    <p:sldLayoutId id="2147483652" r:id="rId5"/>
-    <p:sldLayoutId id="2147483653" r:id="rId6"/>
-    <p:sldLayoutId id="2147483654" r:id="rId7"/>
-    <p:sldLayoutId id="2147483655" r:id="rId8"/>
-    <p:sldLayoutId id="2147483656" r:id="rId9"/>
-    <p:sldLayoutId id="2147483657" r:id="rId10"/>
-    <p:sldLayoutId id="2147483658" r:id="rId11"/>
-    <p:sldLayoutId id="2147483659" r:id="rId12"/>
-    <p:sldLayoutId id="2147483660" r:id="rId13"/>
-    <p:sldLayoutId id="2147483661" r:id="rId14"/>
-    <p:sldLayoutId id="2147483662" r:id="rId15"/>
-    <p:sldLayoutId id="2147483663" r:id="rId16"/>
+    <p:sldLayoutId id="2147483649" r:id="rId1"/>
+    <p:sldLayoutId id="2147483650" r:id="rId2"/>
+    <p:sldLayoutId id="2147483651" r:id="rId3"/>
+    <p:sldLayoutId id="2147483652" r:id="rId4"/>
+    <p:sldLayoutId id="2147483653" r:id="rId5"/>
+    <p:sldLayoutId id="2147483654" r:id="rId6"/>
+    <p:sldLayoutId id="2147483655" r:id="rId7"/>
+    <p:sldLayoutId id="2147483656" r:id="rId8"/>
+    <p:sldLayoutId id="2147483657" r:id="rId9"/>
+    <p:sldLayoutId id="2147483658" r:id="rId10"/>
+    <p:sldLayoutId id="2147483659" r:id="rId11"/>
+    <p:sldLayoutId id="2147483660" r:id="rId12"/>
+    <p:sldLayoutId id="2147483661" r:id="rId13"/>
+    <p:sldLayoutId id="2147483662" r:id="rId14"/>
+    <p:sldLayoutId id="2147483663" r:id="rId15"/>
   </p:sldLayoutIdLst>
-  <p:transition xmlns:p14="http://schemas.microsoft.com/office/powerpoint/2010/main" spd="med" advClick="1"/>
+  <p:transition spd="med"/>
   <p:txStyles>
     <p:titleStyle>
       <a:lvl1pPr marL="0" marR="0" indent="0" algn="l" defTabSz="2438338" rtl="0" latinLnBrk="0">
@@ -3117,7 +3141,7 @@
         <a:buFontTx/>
         <a:buNone/>
         <a:tabLst/>
-        <a:defRPr b="1" baseline="0" cap="none" i="0" spc="-170" strike="noStrike" sz="8500" u="none">
+        <a:defRPr sz="8500" b="1" i="0" u="none" strike="noStrike" cap="none" spc="-170" baseline="0">
           <a:solidFill>
             <a:srgbClr val="000000"/>
           </a:solidFill>
@@ -3143,7 +3167,7 @@
         <a:buFontTx/>
         <a:buNone/>
         <a:tabLst/>
-        <a:defRPr b="1" baseline="0" cap="none" i="0" spc="-170" strike="noStrike" sz="8500" u="none">
+        <a:defRPr sz="8500" b="1" i="0" u="none" strike="noStrike" cap="none" spc="-170" baseline="0">
           <a:solidFill>
             <a:srgbClr val="000000"/>
           </a:solidFill>
@@ -3169,7 +3193,7 @@
         <a:buFontTx/>
         <a:buNone/>
         <a:tabLst/>
-        <a:defRPr b="1" baseline="0" cap="none" i="0" spc="-170" strike="noStrike" sz="8500" u="none">
+        <a:defRPr sz="8500" b="1" i="0" u="none" strike="noStrike" cap="none" spc="-170" baseline="0">
           <a:solidFill>
             <a:srgbClr val="000000"/>
           </a:solidFill>
@@ -3195,7 +3219,7 @@
         <a:buFontTx/>
         <a:buNone/>
         <a:tabLst/>
-        <a:defRPr b="1" baseline="0" cap="none" i="0" spc="-170" strike="noStrike" sz="8500" u="none">
+        <a:defRPr sz="8500" b="1" i="0" u="none" strike="noStrike" cap="none" spc="-170" baseline="0">
           <a:solidFill>
             <a:srgbClr val="000000"/>
           </a:solidFill>
@@ -3221,7 +3245,7 @@
         <a:buFontTx/>
         <a:buNone/>
         <a:tabLst/>
-        <a:defRPr b="1" baseline="0" cap="none" i="0" spc="-170" strike="noStrike" sz="8500" u="none">
+        <a:defRPr sz="8500" b="1" i="0" u="none" strike="noStrike" cap="none" spc="-170" baseline="0">
           <a:solidFill>
             <a:srgbClr val="000000"/>
           </a:solidFill>
@@ -3247,7 +3271,7 @@
         <a:buFontTx/>
         <a:buNone/>
         <a:tabLst/>
-        <a:defRPr b="1" baseline="0" cap="none" i="0" spc="-170" strike="noStrike" sz="8500" u="none">
+        <a:defRPr sz="8500" b="1" i="0" u="none" strike="noStrike" cap="none" spc="-170" baseline="0">
           <a:solidFill>
             <a:srgbClr val="000000"/>
           </a:solidFill>
@@ -3273,7 +3297,7 @@
         <a:buFontTx/>
         <a:buNone/>
         <a:tabLst/>
-        <a:defRPr b="1" baseline="0" cap="none" i="0" spc="-170" strike="noStrike" sz="8500" u="none">
+        <a:defRPr sz="8500" b="1" i="0" u="none" strike="noStrike" cap="none" spc="-170" baseline="0">
           <a:solidFill>
             <a:srgbClr val="000000"/>
           </a:solidFill>
@@ -3299,7 +3323,7 @@
         <a:buFontTx/>
         <a:buNone/>
         <a:tabLst/>
-        <a:defRPr b="1" baseline="0" cap="none" i="0" spc="-170" strike="noStrike" sz="8500" u="none">
+        <a:defRPr sz="8500" b="1" i="0" u="none" strike="noStrike" cap="none" spc="-170" baseline="0">
           <a:solidFill>
             <a:srgbClr val="000000"/>
           </a:solidFill>
@@ -3325,7 +3349,7 @@
         <a:buFontTx/>
         <a:buNone/>
         <a:tabLst/>
-        <a:defRPr b="1" baseline="0" cap="none" i="0" spc="-170" strike="noStrike" sz="8500" u="none">
+        <a:defRPr sz="8500" b="1" i="0" u="none" strike="noStrike" cap="none" spc="-170" baseline="0">
           <a:solidFill>
             <a:srgbClr val="000000"/>
           </a:solidFill>
@@ -3353,7 +3377,7 @@
         <a:buFontTx/>
         <a:buChar char="•"/>
         <a:tabLst/>
-        <a:defRPr b="0" baseline="0" cap="none" i="0" spc="0" strike="noStrike" sz="4800" u="none">
+        <a:defRPr sz="4800" b="0" i="0" u="none" strike="noStrike" cap="none" spc="0" baseline="0">
           <a:solidFill>
             <a:srgbClr val="000000"/>
           </a:solidFill>
@@ -3379,7 +3403,7 @@
         <a:buFontTx/>
         <a:buChar char="•"/>
         <a:tabLst/>
-        <a:defRPr b="0" baseline="0" cap="none" i="0" spc="0" strike="noStrike" sz="4800" u="none">
+        <a:defRPr sz="4800" b="0" i="0" u="none" strike="noStrike" cap="none" spc="0" baseline="0">
           <a:solidFill>
             <a:srgbClr val="000000"/>
           </a:solidFill>
@@ -3405,7 +3429,7 @@
         <a:buFontTx/>
         <a:buChar char="•"/>
         <a:tabLst/>
-        <a:defRPr b="0" baseline="0" cap="none" i="0" spc="0" strike="noStrike" sz="4800" u="none">
+        <a:defRPr sz="4800" b="0" i="0" u="none" strike="noStrike" cap="none" spc="0" baseline="0">
           <a:solidFill>
             <a:srgbClr val="000000"/>
           </a:solidFill>
@@ -3431,7 +3455,7 @@
         <a:buFontTx/>
         <a:buChar char="•"/>
         <a:tabLst/>
-        <a:defRPr b="0" baseline="0" cap="none" i="0" spc="0" strike="noStrike" sz="4800" u="none">
+        <a:defRPr sz="4800" b="0" i="0" u="none" strike="noStrike" cap="none" spc="0" baseline="0">
           <a:solidFill>
             <a:srgbClr val="000000"/>
           </a:solidFill>
@@ -3457,7 +3481,7 @@
         <a:buFontTx/>
         <a:buChar char="•"/>
         <a:tabLst/>
-        <a:defRPr b="0" baseline="0" cap="none" i="0" spc="0" strike="noStrike" sz="4800" u="none">
+        <a:defRPr sz="4800" b="0" i="0" u="none" strike="noStrike" cap="none" spc="0" baseline="0">
           <a:solidFill>
             <a:srgbClr val="000000"/>
           </a:solidFill>
@@ -3483,7 +3507,7 @@
         <a:buFontTx/>
         <a:buChar char="•"/>
         <a:tabLst/>
-        <a:defRPr b="0" baseline="0" cap="none" i="0" spc="0" strike="noStrike" sz="4800" u="none">
+        <a:defRPr sz="4800" b="0" i="0" u="none" strike="noStrike" cap="none" spc="0" baseline="0">
           <a:solidFill>
             <a:srgbClr val="000000"/>
           </a:solidFill>
@@ -3509,7 +3533,7 @@
         <a:buFontTx/>
         <a:buChar char="•"/>
         <a:tabLst/>
-        <a:defRPr b="0" baseline="0" cap="none" i="0" spc="0" strike="noStrike" sz="4800" u="none">
+        <a:defRPr sz="4800" b="0" i="0" u="none" strike="noStrike" cap="none" spc="0" baseline="0">
           <a:solidFill>
             <a:srgbClr val="000000"/>
           </a:solidFill>
@@ -3535,7 +3559,7 @@
         <a:buFontTx/>
         <a:buChar char="•"/>
         <a:tabLst/>
-        <a:defRPr b="0" baseline="0" cap="none" i="0" spc="0" strike="noStrike" sz="4800" u="none">
+        <a:defRPr sz="4800" b="0" i="0" u="none" strike="noStrike" cap="none" spc="0" baseline="0">
           <a:solidFill>
             <a:srgbClr val="000000"/>
           </a:solidFill>
@@ -3561,7 +3585,7 @@
         <a:buFontTx/>
         <a:buChar char="•"/>
         <a:tabLst/>
-        <a:defRPr b="0" baseline="0" cap="none" i="0" spc="0" strike="noStrike" sz="4800" u="none">
+        <a:defRPr sz="4800" b="0" i="0" u="none" strike="noStrike" cap="none" spc="0" baseline="0">
           <a:solidFill>
             <a:srgbClr val="000000"/>
           </a:solidFill>
@@ -3589,7 +3613,7 @@
         <a:buFontTx/>
         <a:buNone/>
         <a:tabLst/>
-        <a:defRPr b="0" baseline="0" cap="none" i="0" spc="0" strike="noStrike" sz="1800" u="none">
+        <a:defRPr sz="1800" b="0" i="0" u="none" strike="noStrike" cap="none" spc="0" baseline="0">
           <a:solidFill>
             <a:schemeClr val="tx1"/>
           </a:solidFill>
@@ -3615,7 +3639,7 @@
         <a:buFontTx/>
         <a:buNone/>
         <a:tabLst/>
-        <a:defRPr b="0" baseline="0" cap="none" i="0" spc="0" strike="noStrike" sz="1800" u="none">
+        <a:defRPr sz="1800" b="0" i="0" u="none" strike="noStrike" cap="none" spc="0" baseline="0">
           <a:solidFill>
             <a:schemeClr val="tx1"/>
           </a:solidFill>
@@ -3641,7 +3665,7 @@
         <a:buFontTx/>
         <a:buNone/>
         <a:tabLst/>
-        <a:defRPr b="0" baseline="0" cap="none" i="0" spc="0" strike="noStrike" sz="1800" u="none">
+        <a:defRPr sz="1800" b="0" i="0" u="none" strike="noStrike" cap="none" spc="0" baseline="0">
           <a:solidFill>
             <a:schemeClr val="tx1"/>
           </a:solidFill>
@@ -3667,7 +3691,7 @@
         <a:buFontTx/>
         <a:buNone/>
         <a:tabLst/>
-        <a:defRPr b="0" baseline="0" cap="none" i="0" spc="0" strike="noStrike" sz="1800" u="none">
+        <a:defRPr sz="1800" b="0" i="0" u="none" strike="noStrike" cap="none" spc="0" baseline="0">
           <a:solidFill>
             <a:schemeClr val="tx1"/>
           </a:solidFill>
@@ -3693,7 +3717,7 @@
         <a:buFontTx/>
         <a:buNone/>
         <a:tabLst/>
-        <a:defRPr b="0" baseline="0" cap="none" i="0" spc="0" strike="noStrike" sz="1800" u="none">
+        <a:defRPr sz="1800" b="0" i="0" u="none" strike="noStrike" cap="none" spc="0" baseline="0">
           <a:solidFill>
             <a:schemeClr val="tx1"/>
           </a:solidFill>
@@ -3719,7 +3743,7 @@
         <a:buFontTx/>
         <a:buNone/>
         <a:tabLst/>
-        <a:defRPr b="0" baseline="0" cap="none" i="0" spc="0" strike="noStrike" sz="1800" u="none">
+        <a:defRPr sz="1800" b="0" i="0" u="none" strike="noStrike" cap="none" spc="0" baseline="0">
           <a:solidFill>
             <a:schemeClr val="tx1"/>
           </a:solidFill>
@@ -3745,7 +3769,7 @@
         <a:buFontTx/>
         <a:buNone/>
         <a:tabLst/>
-        <a:defRPr b="0" baseline="0" cap="none" i="0" spc="0" strike="noStrike" sz="1800" u="none">
+        <a:defRPr sz="1800" b="0" i="0" u="none" strike="noStrike" cap="none" spc="0" baseline="0">
           <a:solidFill>
             <a:schemeClr val="tx1"/>
           </a:solidFill>
@@ -3771,7 +3795,7 @@
         <a:buFontTx/>
         <a:buNone/>
         <a:tabLst/>
-        <a:defRPr b="0" baseline="0" cap="none" i="0" spc="0" strike="noStrike" sz="1800" u="none">
+        <a:defRPr sz="1800" b="0" i="0" u="none" strike="noStrike" cap="none" spc="0" baseline="0">
           <a:solidFill>
             <a:schemeClr val="tx1"/>
           </a:solidFill>
@@ -3797,7 +3821,7 @@
         <a:buFontTx/>
         <a:buNone/>
         <a:tabLst/>
-        <a:defRPr b="0" baseline="0" cap="none" i="0" spc="0" strike="noStrike" sz="1800" u="none">
+        <a:defRPr sz="1800" b="0" i="0" u="none" strike="noStrike" cap="none" spc="0" baseline="0">
           <a:solidFill>
             <a:schemeClr val="tx1"/>
           </a:solidFill>
@@ -3814,7 +3838,7 @@
 </file>
 
 <file path=ppt/slides/slide1.xml><?xml version="1.0" encoding="utf-8"?>
-<p:sld xmlns:a="http://schemas.openxmlformats.org/drawingml/2006/main" xmlns:r="http://schemas.openxmlformats.org/officeDocument/2006/relationships" xmlns:p="http://schemas.openxmlformats.org/presentationml/2006/main" xmlns:m="http://schemas.openxmlformats.org/officeDocument/2006/math" xmlns:a14="http://schemas.microsoft.com/office/drawing/2010/main" showMasterSp="1" showMasterPhAnim="1">
+<p:sld xmlns:a="http://schemas.openxmlformats.org/drawingml/2006/main" xmlns:r="http://schemas.openxmlformats.org/officeDocument/2006/relationships" xmlns:p="http://schemas.openxmlformats.org/presentationml/2006/main">
   <p:cSld>
     <p:spTree>
       <p:nvGrpSpPr>
@@ -3833,7 +3857,9 @@
       <p:sp>
         <p:nvSpPr>
           <p:cNvPr id="151" name="Ομάδα-12  06/01/2024"/>
-          <p:cNvSpPr txBox="1"/>
+          <p:cNvSpPr txBox="1">
+            <a:spLocks noGrp="1"/>
+          </p:cNvSpPr>
           <p:nvPr>
             <p:ph type="body" idx="21"/>
           </p:nvPr>
@@ -3844,15 +3870,16 @@
           </a:prstGeom>
           <a:extLst>
             <a:ext uri="{C572A759-6A51-4108-AA02-DFA0A04FC94B}">
-              <ma14:wrappingTextBoxFlag xmlns:ma14="http://schemas.microsoft.com/office/mac/drawingml/2011/main" val="1"/>
+              <ma14:wrappingTextBoxFlag xmlns:ma14="http://schemas.microsoft.com/office/mac/drawingml/2011/main" xmlns:a14="http://schemas.microsoft.com/office/drawing/2010/main" xmlns:m="http://schemas.openxmlformats.org/officeDocument/2006/math" xmlns="" val="1"/>
             </a:ext>
           </a:extLst>
         </p:spPr>
         <p:txBody>
-          <a:bodyPr/>
+          <a:bodyPr>
+            <a:normAutofit lnSpcReduction="10000"/>
+          </a:bodyPr>
           <a:lstStyle/>
           <a:p>
-            <a:pPr/>
             <a:r>
               <a:t>Ομάδα-12  06/01/2024</a:t>
             </a:r>
@@ -3862,7 +3889,9 @@
       <p:sp>
         <p:nvSpPr>
           <p:cNvPr id="152" name="Εφαρμογή Face-recogniton"/>
-          <p:cNvSpPr txBox="1"/>
+          <p:cNvSpPr txBox="1">
+            <a:spLocks noGrp="1"/>
+          </p:cNvSpPr>
           <p:nvPr>
             <p:ph type="ctrTitle"/>
           </p:nvPr>
@@ -3876,13 +3905,11 @@
           <a:bodyPr/>
           <a:lstStyle/>
           <a:p>
-            <a:pPr/>
             <a:r>
               <a:t>Εφαρμογή Face-recogniton</a:t>
             </a:r>
           </a:p>
           <a:p>
-            <a:pPr/>
             <a:r>
               <a:t> </a:t>
             </a:r>
@@ -3892,7 +3919,9 @@
       <p:sp>
         <p:nvSpPr>
           <p:cNvPr id="153" name="Τρόπος λειτουργειας της εφαρμογής Face-recognition"/>
-          <p:cNvSpPr txBox="1"/>
+          <p:cNvSpPr txBox="1">
+            <a:spLocks noGrp="1"/>
+          </p:cNvSpPr>
           <p:nvPr>
             <p:ph type="subTitle" sz="quarter" idx="1"/>
           </p:nvPr>
@@ -3906,7 +3935,6 @@
           <a:bodyPr/>
           <a:lstStyle/>
           <a:p>
-            <a:pPr/>
             <a:r>
               <a:t>Τρόπος λειτουργειας της εφαρμογής Face-recognition</a:t>
             </a:r>
@@ -3916,7 +3944,9 @@
       <p:sp>
         <p:nvSpPr>
           <p:cNvPr id="154" name="Slide Number"/>
-          <p:cNvSpPr txBox="1"/>
+          <p:cNvSpPr txBox="1">
+            <a:spLocks noGrp="1"/>
+          </p:cNvSpPr>
           <p:nvPr>
             <p:ph type="sldNum" sz="quarter" idx="4294967295"/>
           </p:nvPr>
@@ -3931,7 +3961,7 @@
           </a:prstGeom>
           <a:extLst>
             <a:ext uri="{C572A759-6A51-4108-AA02-DFA0A04FC94B}">
-              <ma14:wrappingTextBoxFlag xmlns:ma14="http://schemas.microsoft.com/office/mac/drawingml/2011/main" val="1"/>
+              <ma14:wrappingTextBoxFlag xmlns:ma14="http://schemas.microsoft.com/office/mac/drawingml/2011/main" xmlns:a14="http://schemas.microsoft.com/office/drawing/2010/main" xmlns:m="http://schemas.openxmlformats.org/officeDocument/2006/math" xmlns="" val="1"/>
             </a:ext>
           </a:extLst>
         </p:spPr>
@@ -3939,8 +3969,10 @@
           <a:bodyPr/>
           <a:lstStyle/>
           <a:p>
-            <a:pPr/>
-            <a:fld id="{86CB4B4D-7CA3-9044-876B-883B54F8677D}" type="slidenum"/>
+            <a:fld id="{86CB4B4D-7CA3-9044-876B-883B54F8677D}" type="slidenum">
+              <a:t>1</a:t>
+            </a:fld>
+            <a:endParaRPr/>
           </a:p>
         </p:txBody>
       </p:sp>
@@ -3949,12 +3981,12 @@
   <p:clrMapOvr>
     <a:masterClrMapping/>
   </p:clrMapOvr>
-  <p:transition xmlns:p14="http://schemas.microsoft.com/office/powerpoint/2010/main" spd="med" advClick="1"/>
+  <p:transition spd="med"/>
 </p:sld>
 </file>
 
 <file path=ppt/slides/slide2.xml><?xml version="1.0" encoding="utf-8"?>
-<p:sld xmlns:a="http://schemas.openxmlformats.org/drawingml/2006/main" xmlns:r="http://schemas.openxmlformats.org/officeDocument/2006/relationships" xmlns:p="http://schemas.openxmlformats.org/presentationml/2006/main" xmlns:m="http://schemas.openxmlformats.org/officeDocument/2006/math" xmlns:a14="http://schemas.microsoft.com/office/drawing/2010/main" showMasterSp="1" showMasterPhAnim="1">
+<p:sld xmlns:a="http://schemas.openxmlformats.org/drawingml/2006/main" xmlns:r="http://schemas.openxmlformats.org/officeDocument/2006/relationships" xmlns:p="http://schemas.openxmlformats.org/presentationml/2006/main">
   <p:cSld>
     <p:spTree>
       <p:nvGrpSpPr>
@@ -3973,7 +4005,9 @@
       <p:sp>
         <p:nvSpPr>
           <p:cNvPr id="156" name="Ο  κώδικας αποτελεί μια εφαρμογή αναγνώρισης προσώπων που χρησιμοποιεί τις βιβλιοθήκες face-recognition, tkinter και TensorFlow. Το πρόγραμμα παρέχει διασύνδεση μέσω του Tkinter, επιτρέποντας τη σύγκριση προσώπων από εικόνες και εκτελεί την αναγνώριση πρ"/>
-          <p:cNvSpPr txBox="1"/>
+          <p:cNvSpPr txBox="1">
+            <a:spLocks noGrp="1"/>
+          </p:cNvSpPr>
           <p:nvPr>
             <p:ph type="subTitle" idx="1"/>
           </p:nvPr>
@@ -3991,7 +4025,6 @@
           <a:bodyPr/>
           <a:lstStyle/>
           <a:p>
-            <a:pPr/>
             <a:r>
               <a:t>Ο  κώδικας αποτελεί μια εφαρμογή αναγνώρισης προσώπων που χρησιμοποιεί τις βιβλιοθήκες face-recognition, tkinter και TensorFlow. Το πρόγραμμα παρέχει διασύνδεση μέσω του Tkinter, επιτρέποντας τη σύγκριση προσώπων από εικόνες και εκτελεί την αναγνώριση προσώπων με χρήση της βιβλιοθήκης            face-recognition και ενός προσαρμοσμένου μοντέλου CNN που έχει εκπαιδευτεί με το TensorFlow.</a:t>
             </a:r>
@@ -4001,7 +4034,9 @@
       <p:sp>
         <p:nvSpPr>
           <p:cNvPr id="157" name="Slide Number"/>
-          <p:cNvSpPr txBox="1"/>
+          <p:cNvSpPr txBox="1">
+            <a:spLocks noGrp="1"/>
+          </p:cNvSpPr>
           <p:nvPr>
             <p:ph type="sldNum" sz="quarter" idx="4294967295"/>
           </p:nvPr>
@@ -4016,7 +4051,7 @@
           </a:prstGeom>
           <a:extLst>
             <a:ext uri="{C572A759-6A51-4108-AA02-DFA0A04FC94B}">
-              <ma14:wrappingTextBoxFlag xmlns:ma14="http://schemas.microsoft.com/office/mac/drawingml/2011/main" val="1"/>
+              <ma14:wrappingTextBoxFlag xmlns:ma14="http://schemas.microsoft.com/office/mac/drawingml/2011/main" xmlns:a14="http://schemas.microsoft.com/office/drawing/2010/main" xmlns:m="http://schemas.openxmlformats.org/officeDocument/2006/math" xmlns="" val="1"/>
             </a:ext>
           </a:extLst>
         </p:spPr>
@@ -4024,8 +4059,10 @@
           <a:bodyPr/>
           <a:lstStyle/>
           <a:p>
-            <a:pPr/>
-            <a:fld id="{86CB4B4D-7CA3-9044-876B-883B54F8677D}" type="slidenum"/>
+            <a:fld id="{86CB4B4D-7CA3-9044-876B-883B54F8677D}" type="slidenum">
+              <a:t>2</a:t>
+            </a:fld>
+            <a:endParaRPr/>
           </a:p>
         </p:txBody>
       </p:sp>
@@ -4034,12 +4071,12 @@
   <p:clrMapOvr>
     <a:masterClrMapping/>
   </p:clrMapOvr>
-  <p:transition xmlns:p14="http://schemas.microsoft.com/office/powerpoint/2010/main" spd="med" advClick="1"/>
+  <p:transition spd="med"/>
 </p:sld>
 </file>
 
 <file path=ppt/slides/slide3.xml><?xml version="1.0" encoding="utf-8"?>
-<p:sld xmlns:a="http://schemas.openxmlformats.org/drawingml/2006/main" xmlns:r="http://schemas.openxmlformats.org/officeDocument/2006/relationships" xmlns:p="http://schemas.openxmlformats.org/presentationml/2006/main" xmlns:m="http://schemas.openxmlformats.org/officeDocument/2006/math" xmlns:a14="http://schemas.microsoft.com/office/drawing/2010/main" showMasterSp="1" showMasterPhAnim="1">
+<p:sld xmlns:a="http://schemas.openxmlformats.org/drawingml/2006/main" xmlns:r="http://schemas.openxmlformats.org/officeDocument/2006/relationships" xmlns:p="http://schemas.openxmlformats.org/presentationml/2006/main">
   <p:cSld>
     <p:spTree>
       <p:nvGrpSpPr>
@@ -4058,7 +4095,9 @@
       <p:sp>
         <p:nvSpPr>
           <p:cNvPr id="159" name="Αρχικά, ο χρήστης επιλέγει τις παραμέτρους των δύο συγκρίσεων, δηλαδή το μοντέλο που θα χρησιμοποιηθεί που μπορεί να είναι ένα Suport Vector Machine που παίνρει εικόνες με μετατρομένες με Histogram Oriented Gradients (hog) ή ένα Convolutional Neural Netw"/>
-          <p:cNvSpPr txBox="1"/>
+          <p:cNvSpPr txBox="1">
+            <a:spLocks noGrp="1"/>
+          </p:cNvSpPr>
           <p:nvPr>
             <p:ph type="body" idx="21"/>
           </p:nvPr>
@@ -4073,7 +4112,7 @@
           </a:prstGeom>
           <a:extLst>
             <a:ext uri="{C572A759-6A51-4108-AA02-DFA0A04FC94B}">
-              <ma14:wrappingTextBoxFlag xmlns:ma14="http://schemas.microsoft.com/office/mac/drawingml/2011/main" val="1"/>
+              <ma14:wrappingTextBoxFlag xmlns:ma14="http://schemas.microsoft.com/office/mac/drawingml/2011/main" xmlns:a14="http://schemas.microsoft.com/office/drawing/2010/main" xmlns:m="http://schemas.openxmlformats.org/officeDocument/2006/math" xmlns="" val="1"/>
             </a:ext>
           </a:extLst>
         </p:spPr>
@@ -4087,11 +4126,10 @@
               <a:spcBef>
                 <a:spcPts val="4300"/>
               </a:spcBef>
-              <a:defRPr b="0" sz="4608"/>
+              <a:defRPr sz="4608" b="0"/>
             </a:lvl1pPr>
           </a:lstStyle>
           <a:p>
-            <a:pPr/>
             <a:r>
               <a:t>Αρχικά, ο χρήστης επιλέγει τις παραμέτρους των δύο συγκρίσεων, δηλαδή το μοντέλο που θα χρησιμοποιηθεί που μπορεί να είναι ένα Suport Vector Machine που παίνρει εικόνες με μετατρομένες με Histogram Oriented Gradients (hog) ή ένα Convolutional Neural Network (cnn) που προέρχεται απο την dlib προεκπαιδευμένο.</a:t>
             </a:r>
@@ -4107,9 +4145,7 @@
           <p:nvPr/>
         </p:nvPicPr>
         <p:blipFill>
-          <a:blip r:embed="rId2">
-            <a:extLst/>
-          </a:blip>
+          <a:blip r:embed="rId2"/>
           <a:stretch>
             <a:fillRect/>
           </a:stretch>
@@ -4153,14 +4189,16 @@
           <a:bodyPr lIns="50800" tIns="50800" rIns="50800" bIns="50800" anchor="ctr"/>
           <a:lstStyle/>
           <a:p>
-            <a:pPr/>
+            <a:endParaRPr/>
           </a:p>
         </p:txBody>
       </p:sp>
       <p:sp>
         <p:nvSpPr>
           <p:cNvPr id="162" name="Slide Number"/>
-          <p:cNvSpPr txBox="1"/>
+          <p:cNvSpPr txBox="1">
+            <a:spLocks noGrp="1"/>
+          </p:cNvSpPr>
           <p:nvPr>
             <p:ph type="sldNum" sz="quarter" idx="4294967295"/>
           </p:nvPr>
@@ -4175,7 +4213,7 @@
           </a:prstGeom>
           <a:extLst>
             <a:ext uri="{C572A759-6A51-4108-AA02-DFA0A04FC94B}">
-              <ma14:wrappingTextBoxFlag xmlns:ma14="http://schemas.microsoft.com/office/mac/drawingml/2011/main" val="1"/>
+              <ma14:wrappingTextBoxFlag xmlns:ma14="http://schemas.microsoft.com/office/mac/drawingml/2011/main" xmlns:a14="http://schemas.microsoft.com/office/drawing/2010/main" xmlns:m="http://schemas.openxmlformats.org/officeDocument/2006/math" xmlns="" val="1"/>
             </a:ext>
           </a:extLst>
         </p:spPr>
@@ -4183,8 +4221,10 @@
           <a:bodyPr/>
           <a:lstStyle/>
           <a:p>
-            <a:pPr/>
-            <a:fld id="{86CB4B4D-7CA3-9044-876B-883B54F8677D}" type="slidenum"/>
+            <a:fld id="{86CB4B4D-7CA3-9044-876B-883B54F8677D}" type="slidenum">
+              <a:t>3</a:t>
+            </a:fld>
+            <a:endParaRPr/>
           </a:p>
         </p:txBody>
       </p:sp>
@@ -4193,12 +4233,12 @@
   <p:clrMapOvr>
     <a:masterClrMapping/>
   </p:clrMapOvr>
-  <p:transition xmlns:p14="http://schemas.microsoft.com/office/powerpoint/2010/main" spd="med" advClick="1"/>
+  <p:transition spd="med"/>
 </p:sld>
 </file>
 
 <file path=ppt/slides/slide4.xml><?xml version="1.0" encoding="utf-8"?>
-<p:sld xmlns:a="http://schemas.openxmlformats.org/drawingml/2006/main" xmlns:r="http://schemas.openxmlformats.org/officeDocument/2006/relationships" xmlns:p="http://schemas.openxmlformats.org/presentationml/2006/main" xmlns:m="http://schemas.openxmlformats.org/officeDocument/2006/math" xmlns:a14="http://schemas.microsoft.com/office/drawing/2010/main" showMasterSp="1" showMasterPhAnim="1">
+<p:sld xmlns:a="http://schemas.openxmlformats.org/drawingml/2006/main" xmlns:r="http://schemas.openxmlformats.org/officeDocument/2006/relationships" xmlns:p="http://schemas.openxmlformats.org/presentationml/2006/main">
   <p:cSld>
     <p:spTree>
       <p:nvGrpSpPr>
@@ -4217,7 +4257,9 @@
       <p:sp>
         <p:nvSpPr>
           <p:cNvPr id="164" name="Ακόμα, ο χρήστης επιλέγει αν τα encoding που θα πάρει από τις εικόνες θα είναι τα λίγα ή αρκετά περισσότερα σε αριθμό (small ή large). Μετά, το tolerance είναι η απόσταση μεταξύ των encoding που θεωρεί αποδεκτή για την σύγκριση και το num jitters που παί"/>
-          <p:cNvSpPr txBox="1"/>
+          <p:cNvSpPr txBox="1">
+            <a:spLocks noGrp="1"/>
+          </p:cNvSpPr>
           <p:nvPr>
             <p:ph type="subTitle" sz="half" idx="1"/>
           </p:nvPr>
@@ -4241,11 +4283,10 @@
               <a:spcBef>
                 <a:spcPts val="4500"/>
               </a:spcBef>
-              <a:defRPr b="0" sz="4800"/>
+              <a:defRPr sz="4800" b="0"/>
             </a:lvl1pPr>
           </a:lstStyle>
           <a:p>
-            <a:pPr/>
             <a:r>
               <a:t>Ακόμα, ο χρήστης επιλέγει αν τα encoding που θα πάρει από τις εικόνες θα είναι τα λίγα ή αρκετά περισσότερα σε αριθμό (small ή large). Μετά, το tolerance είναι η απόσταση μεταξύ των encoding που θεωρεί αποδεκτή για την σύγκριση και το num jitters που παίζει ρόλο στην εύρεση προσώπων που μπορεί να βρισκονται μόνο σε μικρό τμήμα της εικόνας.</a:t>
             </a:r>
@@ -4255,7 +4296,9 @@
       <p:sp>
         <p:nvSpPr>
           <p:cNvPr id="165" name="Slide Number"/>
-          <p:cNvSpPr txBox="1"/>
+          <p:cNvSpPr txBox="1">
+            <a:spLocks noGrp="1"/>
+          </p:cNvSpPr>
           <p:nvPr>
             <p:ph type="sldNum" sz="quarter" idx="4294967295"/>
           </p:nvPr>
@@ -4270,7 +4313,7 @@
           </a:prstGeom>
           <a:extLst>
             <a:ext uri="{C572A759-6A51-4108-AA02-DFA0A04FC94B}">
-              <ma14:wrappingTextBoxFlag xmlns:ma14="http://schemas.microsoft.com/office/mac/drawingml/2011/main" val="1"/>
+              <ma14:wrappingTextBoxFlag xmlns:ma14="http://schemas.microsoft.com/office/mac/drawingml/2011/main" xmlns:a14="http://schemas.microsoft.com/office/drawing/2010/main" xmlns:m="http://schemas.openxmlformats.org/officeDocument/2006/math" xmlns="" val="1"/>
             </a:ext>
           </a:extLst>
         </p:spPr>
@@ -4278,8 +4321,10 @@
           <a:bodyPr/>
           <a:lstStyle/>
           <a:p>
-            <a:pPr/>
-            <a:fld id="{86CB4B4D-7CA3-9044-876B-883B54F8677D}" type="slidenum"/>
+            <a:fld id="{86CB4B4D-7CA3-9044-876B-883B54F8677D}" type="slidenum">
+              <a:t>4</a:t>
+            </a:fld>
+            <a:endParaRPr/>
           </a:p>
         </p:txBody>
       </p:sp>
@@ -4292,9 +4337,7 @@
           <p:nvPr/>
         </p:nvPicPr>
         <p:blipFill>
-          <a:blip r:embed="rId2">
-            <a:extLst/>
-          </a:blip>
+          <a:blip r:embed="rId2"/>
           <a:stretch>
             <a:fillRect/>
           </a:stretch>
@@ -4341,7 +4384,7 @@
           <a:bodyPr lIns="50800" tIns="50800" rIns="50800" bIns="50800" anchor="ctr"/>
           <a:lstStyle/>
           <a:p>
-            <a:pPr/>
+            <a:endParaRPr/>
           </a:p>
         </p:txBody>
       </p:sp>
@@ -4371,7 +4414,7 @@
           <a:bodyPr lIns="50800" tIns="50800" rIns="50800" bIns="50800" anchor="ctr"/>
           <a:lstStyle/>
           <a:p>
-            <a:pPr/>
+            <a:endParaRPr/>
           </a:p>
         </p:txBody>
       </p:sp>
@@ -4401,7 +4444,7 @@
           <a:bodyPr lIns="50800" tIns="50800" rIns="50800" bIns="50800" anchor="ctr"/>
           <a:lstStyle/>
           <a:p>
-            <a:pPr/>
+            <a:endParaRPr/>
           </a:p>
         </p:txBody>
       </p:sp>
@@ -4410,12 +4453,12 @@
   <p:clrMapOvr>
     <a:masterClrMapping/>
   </p:clrMapOvr>
-  <p:transition xmlns:p14="http://schemas.microsoft.com/office/powerpoint/2010/main" spd="med" advClick="1"/>
+  <p:transition spd="med"/>
 </p:sld>
 </file>
 
 <file path=ppt/slides/slide5.xml><?xml version="1.0" encoding="utf-8"?>
-<p:sld xmlns:a="http://schemas.openxmlformats.org/drawingml/2006/main" xmlns:r="http://schemas.openxmlformats.org/officeDocument/2006/relationships" xmlns:p="http://schemas.openxmlformats.org/presentationml/2006/main" xmlns:m="http://schemas.openxmlformats.org/officeDocument/2006/math" xmlns:a14="http://schemas.microsoft.com/office/drawing/2010/main" showMasterSp="1" showMasterPhAnim="1">
+<p:sld xmlns:a="http://schemas.openxmlformats.org/drawingml/2006/main" xmlns:r="http://schemas.openxmlformats.org/officeDocument/2006/relationships" xmlns:p="http://schemas.openxmlformats.org/presentationml/2006/main">
   <p:cSld>
     <p:spTree>
       <p:nvGrpSpPr>
@@ -4434,7 +4477,9 @@
       <p:sp>
         <p:nvSpPr>
           <p:cNvPr id="171" name="Έπειτα, ο χρήστης πατάει το κουμπί Capture Image αν θέλει να βγάλει μια εικόνα από την κάμερα του υπολογιστή του και να την αποθηκεύσει."/>
-          <p:cNvSpPr txBox="1"/>
+          <p:cNvSpPr txBox="1">
+            <a:spLocks noGrp="1"/>
+          </p:cNvSpPr>
           <p:nvPr>
             <p:ph type="subTitle" sz="half" idx="1"/>
           </p:nvPr>
@@ -4452,7 +4497,6 @@
           <a:bodyPr/>
           <a:lstStyle/>
           <a:p>
-            <a:pPr/>
             <a:r>
               <a:t>Έπειτα, ο χρήστης πατάει το κουμπί Capture Image αν θέλει να βγάλει μια εικόνα από την κάμερα του υπολογιστή του και να την αποθηκεύσει.</a:t>
             </a:r>
@@ -4462,7 +4506,9 @@
       <p:sp>
         <p:nvSpPr>
           <p:cNvPr id="172" name="Slide Number"/>
-          <p:cNvSpPr txBox="1"/>
+          <p:cNvSpPr txBox="1">
+            <a:spLocks noGrp="1"/>
+          </p:cNvSpPr>
           <p:nvPr>
             <p:ph type="sldNum" sz="quarter" idx="4294967295"/>
           </p:nvPr>
@@ -4477,7 +4523,7 @@
           </a:prstGeom>
           <a:extLst>
             <a:ext uri="{C572A759-6A51-4108-AA02-DFA0A04FC94B}">
-              <ma14:wrappingTextBoxFlag xmlns:ma14="http://schemas.microsoft.com/office/mac/drawingml/2011/main" val="1"/>
+              <ma14:wrappingTextBoxFlag xmlns:ma14="http://schemas.microsoft.com/office/mac/drawingml/2011/main" xmlns:a14="http://schemas.microsoft.com/office/drawing/2010/main" xmlns:m="http://schemas.openxmlformats.org/officeDocument/2006/math" xmlns="" val="1"/>
             </a:ext>
           </a:extLst>
         </p:spPr>
@@ -4485,8 +4531,10 @@
           <a:bodyPr/>
           <a:lstStyle/>
           <a:p>
-            <a:pPr/>
-            <a:fld id="{86CB4B4D-7CA3-9044-876B-883B54F8677D}" type="slidenum"/>
+            <a:fld id="{86CB4B4D-7CA3-9044-876B-883B54F8677D}" type="slidenum">
+              <a:t>5</a:t>
+            </a:fld>
+            <a:endParaRPr/>
           </a:p>
         </p:txBody>
       </p:sp>
@@ -4499,9 +4547,7 @@
           <p:nvPr/>
         </p:nvPicPr>
         <p:blipFill>
-          <a:blip r:embed="rId2">
-            <a:extLst/>
-          </a:blip>
+          <a:blip r:embed="rId2"/>
           <a:stretch>
             <a:fillRect/>
           </a:stretch>
@@ -4545,7 +4591,7 @@
           <a:bodyPr lIns="50800" tIns="50800" rIns="50800" bIns="50800" anchor="ctr"/>
           <a:lstStyle/>
           <a:p>
-            <a:pPr/>
+            <a:endParaRPr/>
           </a:p>
         </p:txBody>
       </p:sp>
@@ -4554,12 +4600,12 @@
   <p:clrMapOvr>
     <a:masterClrMapping/>
   </p:clrMapOvr>
-  <p:transition xmlns:p14="http://schemas.microsoft.com/office/powerpoint/2010/main" spd="med" advClick="1"/>
+  <p:transition spd="med"/>
 </p:sld>
 </file>
 
 <file path=ppt/slides/slide6.xml><?xml version="1.0" encoding="utf-8"?>
-<p:sld xmlns:a="http://schemas.openxmlformats.org/drawingml/2006/main" xmlns:r="http://schemas.openxmlformats.org/officeDocument/2006/relationships" xmlns:p="http://schemas.openxmlformats.org/presentationml/2006/main" xmlns:m="http://schemas.openxmlformats.org/officeDocument/2006/math" xmlns:a14="http://schemas.microsoft.com/office/drawing/2010/main" showMasterSp="1" showMasterPhAnim="1">
+<p:sld xmlns:a="http://schemas.openxmlformats.org/drawingml/2006/main" xmlns:r="http://schemas.openxmlformats.org/officeDocument/2006/relationships" xmlns:p="http://schemas.openxmlformats.org/presentationml/2006/main">
   <p:cSld>
     <p:spTree>
       <p:nvGrpSpPr>
@@ -4578,7 +4624,9 @@
       <p:sp>
         <p:nvSpPr>
           <p:cNvPr id="176" name="Επιπλέον, με το κουμπί Open from file ο χρήστης μπορεί να επιλέξει εικόνες από τον υπολογιστή του και στο comptext εμφανίζεται εαν αναγνωρίστηκαν οι εικόνες, γίνονται συγκρίσεις μεταξύ των δύο, δηλαδή αναφέρονται οι διαφορές στου χρόνους και στην απόστασ"/>
-          <p:cNvSpPr txBox="1"/>
+          <p:cNvSpPr txBox="1">
+            <a:spLocks noGrp="1"/>
+          </p:cNvSpPr>
           <p:nvPr>
             <p:ph type="subTitle" sz="half" idx="1"/>
           </p:nvPr>
@@ -4602,11 +4650,10 @@
               <a:spcBef>
                 <a:spcPts val="4500"/>
               </a:spcBef>
-              <a:defRPr b="0" sz="4800"/>
+              <a:defRPr sz="4800" b="0"/>
             </a:lvl1pPr>
           </a:lstStyle>
           <a:p>
-            <a:pPr/>
             <a:r>
               <a:t>Επιπλέον, με το κουμπί Open from file ο χρήστης μπορεί να επιλέξει εικόνες από τον υπολογιστή του και στο comptext εμφανίζεται εαν αναγνωρίστηκαν οι εικόνες, γίνονται συγκρίσεις μεταξύ των δύο, δηλαδή αναφέρονται οι διαφορές στου χρόνους και στην απόσταση. </a:t>
             </a:r>
@@ -4622,9 +4669,7 @@
           <p:nvPr/>
         </p:nvPicPr>
         <p:blipFill>
-          <a:blip r:embed="rId2">
-            <a:extLst/>
-          </a:blip>
+          <a:blip r:embed="rId2"/>
           <a:stretch>
             <a:fillRect/>
           </a:stretch>
@@ -4668,7 +4713,7 @@
           <a:bodyPr lIns="50800" tIns="50800" rIns="50800" bIns="50800" anchor="ctr"/>
           <a:lstStyle/>
           <a:p>
-            <a:pPr/>
+            <a:endParaRPr/>
           </a:p>
         </p:txBody>
       </p:sp>
@@ -4677,12 +4722,12 @@
   <p:clrMapOvr>
     <a:masterClrMapping/>
   </p:clrMapOvr>
-  <p:transition xmlns:p14="http://schemas.microsoft.com/office/powerpoint/2010/main" spd="med" advClick="1"/>
+  <p:transition spd="med"/>
 </p:sld>
 </file>
 
 <file path=ppt/slides/slide7.xml><?xml version="1.0" encoding="utf-8"?>
-<p:sld xmlns:a="http://schemas.openxmlformats.org/drawingml/2006/main" xmlns:r="http://schemas.openxmlformats.org/officeDocument/2006/relationships" xmlns:p="http://schemas.openxmlformats.org/presentationml/2006/main" xmlns:m="http://schemas.openxmlformats.org/officeDocument/2006/math" xmlns:a14="http://schemas.microsoft.com/office/drawing/2010/main" showMasterSp="1" showMasterPhAnim="1">
+<p:sld xmlns:a="http://schemas.openxmlformats.org/drawingml/2006/main" xmlns:r="http://schemas.openxmlformats.org/officeDocument/2006/relationships" xmlns:p="http://schemas.openxmlformats.org/presentationml/2006/main">
   <p:cSld>
     <p:spTree>
       <p:nvGrpSpPr>
@@ -4701,7 +4746,9 @@
       <p:sp>
         <p:nvSpPr>
           <p:cNvPr id="180" name="Τέλος, στο comptext εμφανίζεται πως αναγνωρίστηκε η εικόνα από το          K-neighbor classifier και ένα μοντέλο που εκπαιδεύσαμε, και τα δύο με βάση τον φάκελο train."/>
-          <p:cNvSpPr txBox="1"/>
+          <p:cNvSpPr txBox="1">
+            <a:spLocks noGrp="1"/>
+          </p:cNvSpPr>
           <p:nvPr>
             <p:ph type="subTitle" sz="half" idx="1"/>
           </p:nvPr>
@@ -4726,7 +4773,7 @@
               <a:spcBef>
                 <a:spcPts val="4500"/>
               </a:spcBef>
-              <a:defRPr b="0" sz="4800"/>
+              <a:defRPr sz="4800" b="0"/>
             </a:pPr>
             <a:r>
               <a:t>Τέλος, στο comptext εμφανίζεται πως αναγνωρίστηκε η εικόνα από το          K-neighbor classifier και ένα μοντέλο που εκπαιδεύσαμε, και τα δύο με βάση τον φάκελο train.</a:t>
@@ -4737,7 +4784,9 @@
       <p:sp>
         <p:nvSpPr>
           <p:cNvPr id="181" name="Slide Number"/>
-          <p:cNvSpPr txBox="1"/>
+          <p:cNvSpPr txBox="1">
+            <a:spLocks noGrp="1"/>
+          </p:cNvSpPr>
           <p:nvPr>
             <p:ph type="sldNum" sz="quarter" idx="4294967295"/>
           </p:nvPr>
@@ -4752,7 +4801,7 @@
           </a:prstGeom>
           <a:extLst>
             <a:ext uri="{C572A759-6A51-4108-AA02-DFA0A04FC94B}">
-              <ma14:wrappingTextBoxFlag xmlns:ma14="http://schemas.microsoft.com/office/mac/drawingml/2011/main" val="1"/>
+              <ma14:wrappingTextBoxFlag xmlns:ma14="http://schemas.microsoft.com/office/mac/drawingml/2011/main" xmlns:a14="http://schemas.microsoft.com/office/drawing/2010/main" xmlns:m="http://schemas.openxmlformats.org/officeDocument/2006/math" xmlns="" val="1"/>
             </a:ext>
           </a:extLst>
         </p:spPr>
@@ -4760,8 +4809,10 @@
           <a:bodyPr/>
           <a:lstStyle/>
           <a:p>
-            <a:pPr/>
-            <a:fld id="{86CB4B4D-7CA3-9044-876B-883B54F8677D}" type="slidenum"/>
+            <a:fld id="{86CB4B4D-7CA3-9044-876B-883B54F8677D}" type="slidenum">
+              <a:t>7</a:t>
+            </a:fld>
+            <a:endParaRPr/>
           </a:p>
         </p:txBody>
       </p:sp>
@@ -4774,9 +4825,7 @@
           <p:nvPr/>
         </p:nvPicPr>
         <p:blipFill>
-          <a:blip r:embed="rId2">
-            <a:extLst/>
-          </a:blip>
+          <a:blip r:embed="rId2"/>
           <a:stretch>
             <a:fillRect/>
           </a:stretch>
@@ -4820,7 +4869,7 @@
           <a:bodyPr lIns="50800" tIns="50800" rIns="50800" bIns="50800" anchor="ctr"/>
           <a:lstStyle/>
           <a:p>
-            <a:pPr/>
+            <a:endParaRPr/>
           </a:p>
         </p:txBody>
       </p:sp>
@@ -4850,7 +4899,7 @@
           <a:bodyPr lIns="50800" tIns="50800" rIns="50800" bIns="50800" anchor="ctr"/>
           <a:lstStyle/>
           <a:p>
-            <a:pPr/>
+            <a:endParaRPr/>
           </a:p>
         </p:txBody>
       </p:sp>
@@ -4859,12 +4908,12 @@
   <p:clrMapOvr>
     <a:masterClrMapping/>
   </p:clrMapOvr>
-  <p:transition xmlns:p14="http://schemas.microsoft.com/office/powerpoint/2010/main" spd="med" advClick="1"/>
+  <p:transition spd="med"/>
 </p:sld>
 </file>
 
 <file path=ppt/slides/slide8.xml><?xml version="1.0" encoding="utf-8"?>
-<p:sld xmlns:a="http://schemas.openxmlformats.org/drawingml/2006/main" xmlns:r="http://schemas.openxmlformats.org/officeDocument/2006/relationships" xmlns:p="http://schemas.openxmlformats.org/presentationml/2006/main" xmlns:m="http://schemas.openxmlformats.org/officeDocument/2006/math" xmlns:a14="http://schemas.microsoft.com/office/drawing/2010/main" showMasterSp="1" showMasterPhAnim="1">
+<p:sld xmlns:a="http://schemas.openxmlformats.org/drawingml/2006/main" xmlns:r="http://schemas.openxmlformats.org/officeDocument/2006/relationships" xmlns:p="http://schemas.openxmlformats.org/presentationml/2006/main">
   <p:cSld>
     <p:spTree>
       <p:nvGrpSpPr>
@@ -4883,7 +4932,9 @@
       <p:sp>
         <p:nvSpPr>
           <p:cNvPr id="186" name="Τα συμπεράσματα που βγάλαμε από τις συγκρίσεις είναι πως η αναγνώριση γίνονται πιο γρήγορα με την παράμετρο small πάρα την large και το cnn είναι πολύ πιο αργό απο το hog. Ακόμα, το cnn είναι πιο ακριβές από το hog και η ακρίβεια αυξάνεται όταν το tolera"/>
-          <p:cNvSpPr txBox="1"/>
+          <p:cNvSpPr txBox="1">
+            <a:spLocks noGrp="1"/>
+          </p:cNvSpPr>
           <p:nvPr>
             <p:ph type="subTitle" idx="1"/>
           </p:nvPr>
@@ -4901,7 +4952,6 @@
           <a:bodyPr/>
           <a:lstStyle/>
           <a:p>
-            <a:pPr/>
             <a:r>
               <a:t>Τα συμπεράσματα που βγάλαμε από τις συγκρίσεις είναι πως η αναγνώριση γίνονται πιο γρήγορα με την παράμετρο small πάρα την large και το cnn είναι πολύ πιο αργό απο το hog. Ακόμα, το cnn είναι πιο ακριβές από το hog και η ακρίβεια αυξάνεται όταν το tolerance είναι κοντά στο 70%. Επιπλέον, το K-neighbor classifier έχει μεγαλύτερη ακρίβεια από το μοντέλο μας, καθώς τα encoding βασίζονται σε καλύτερα εκπαιδευμένο δίκτυο με πάρα πολύ περισσότερα δεδομένα και περισσότερους πόρους για την εκπαίδευσή του.</a:t>
             </a:r>
@@ -4911,7 +4961,9 @@
       <p:sp>
         <p:nvSpPr>
           <p:cNvPr id="187" name="Slide Number"/>
-          <p:cNvSpPr txBox="1"/>
+          <p:cNvSpPr txBox="1">
+            <a:spLocks noGrp="1"/>
+          </p:cNvSpPr>
           <p:nvPr>
             <p:ph type="sldNum" sz="quarter" idx="4294967295"/>
           </p:nvPr>
@@ -4926,7 +4978,7 @@
           </a:prstGeom>
           <a:extLst>
             <a:ext uri="{C572A759-6A51-4108-AA02-DFA0A04FC94B}">
-              <ma14:wrappingTextBoxFlag xmlns:ma14="http://schemas.microsoft.com/office/mac/drawingml/2011/main" val="1"/>
+              <ma14:wrappingTextBoxFlag xmlns:ma14="http://schemas.microsoft.com/office/mac/drawingml/2011/main" xmlns:a14="http://schemas.microsoft.com/office/drawing/2010/main" xmlns:m="http://schemas.openxmlformats.org/officeDocument/2006/math" xmlns="" val="1"/>
             </a:ext>
           </a:extLst>
         </p:spPr>
@@ -4934,8 +4986,10 @@
           <a:bodyPr/>
           <a:lstStyle/>
           <a:p>
-            <a:pPr/>
-            <a:fld id="{86CB4B4D-7CA3-9044-876B-883B54F8677D}" type="slidenum"/>
+            <a:fld id="{86CB4B4D-7CA3-9044-876B-883B54F8677D}" type="slidenum">
+              <a:t>8</a:t>
+            </a:fld>
+            <a:endParaRPr/>
           </a:p>
         </p:txBody>
       </p:sp>
@@ -4944,12 +4998,12 @@
   <p:clrMapOvr>
     <a:masterClrMapping/>
   </p:clrMapOvr>
-  <p:transition xmlns:p14="http://schemas.microsoft.com/office/powerpoint/2010/main" spd="med" advClick="1"/>
+  <p:transition spd="med"/>
 </p:sld>
 </file>
 
 <file path=ppt/slides/slide9.xml><?xml version="1.0" encoding="utf-8"?>
-<p:sld xmlns:a="http://schemas.openxmlformats.org/drawingml/2006/main" xmlns:r="http://schemas.openxmlformats.org/officeDocument/2006/relationships" xmlns:p="http://schemas.openxmlformats.org/presentationml/2006/main" xmlns:m="http://schemas.openxmlformats.org/officeDocument/2006/math" xmlns:a14="http://schemas.microsoft.com/office/drawing/2010/main" showMasterSp="1" showMasterPhAnim="1">
+<p:sld xmlns:a="http://schemas.openxmlformats.org/drawingml/2006/main" xmlns:r="http://schemas.openxmlformats.org/officeDocument/2006/relationships" xmlns:p="http://schemas.openxmlformats.org/presentationml/2006/main">
   <p:cSld>
     <p:spTree>
       <p:nvGrpSpPr>
@@ -4968,7 +5022,9 @@
       <p:sp>
         <p:nvSpPr>
           <p:cNvPr id="189" name="Οι πηγές από όπου αντλήσαμε πληροφορίες είναι η ιστοσελίδα όπου εξηγείται η βιβλιοθήκη…"/>
-          <p:cNvSpPr txBox="1"/>
+          <p:cNvSpPr txBox="1">
+            <a:spLocks noGrp="1"/>
+          </p:cNvSpPr>
           <p:nvPr>
             <p:ph type="subTitle" idx="1"/>
           </p:nvPr>
@@ -4990,7 +5046,36 @@
               <a:defRPr sz="3795"/>
             </a:pPr>
             <a:r>
-              <a:t>Οι πηγές από όπου αντλήσαμε πληροφορίες είναι η ιστοσελίδα όπου εξηγείται η βιβλιοθήκη</a:t>
+              <a:rPr dirty="0" err="1"/>
+              <a:t>Οι</a:t>
+            </a:r>
+            <a:r>
+              <a:rPr dirty="0"/>
+              <a:t> π</a:t>
+            </a:r>
+            <a:r>
+              <a:rPr dirty="0" err="1"/>
+              <a:t>ηγές</a:t>
+            </a:r>
+            <a:r>
+              <a:rPr dirty="0"/>
+              <a:t> από όπ</a:t>
+            </a:r>
+            <a:r>
+              <a:rPr dirty="0" err="1"/>
+              <a:t>ου</a:t>
+            </a:r>
+            <a:r>
+              <a:rPr dirty="0"/>
+              <a:t> α</a:t>
+            </a:r>
+            <a:r>
+              <a:rPr dirty="0" err="1"/>
+              <a:t>ντλήσ</a:t>
+            </a:r>
+            <a:r>
+              <a:rPr dirty="0"/>
+              <a:t>αμε πληροφορίες είναι η ιστοσελίδα όπου εξηγείται η βιβλιοθήκη</a:t>
             </a:r>
           </a:p>
           <a:p>
@@ -4998,7 +5083,7 @@
               <a:defRPr sz="3795"/>
             </a:pPr>
             <a:r>
-              <a:rPr>
+              <a:rPr dirty="0">
                 <a:solidFill>
                   <a:srgbClr val="2A60BB"/>
                 </a:solidFill>
@@ -5006,7 +5091,16 @@
               <a:t>https://pypi.org/project/face-recognition/ </a:t>
             </a:r>
             <a:r>
-              <a:t>, τα παραδείγματα για την χρήση της στο GitHub</a:t>
+              <a:rPr dirty="0"/>
+              <a:t>, τα παρα</a:t>
+            </a:r>
+            <a:r>
+              <a:rPr dirty="0" err="1"/>
+              <a:t>δείγμ</a:t>
+            </a:r>
+            <a:r>
+              <a:rPr dirty="0"/>
+              <a:t>ατα για την χρήση της στο GitHub</a:t>
             </a:r>
           </a:p>
           <a:p>
@@ -5014,10 +5108,24 @@
               <a:defRPr sz="3795"/>
             </a:pPr>
             <a:r>
-              <a:t>https://github.com/ageitgey/face_recognition/tree/master/examples </a:t>
-            </a:r>
-            <a:r>
-              <a:t>και το βιβλίο Deep Learning</a:t>
+              <a:rPr dirty="0"/>
+              <a:t>https://github.com/ageitgey/face_recognition/tree/master/examples και </a:t>
+            </a:r>
+            <a:r>
+              <a:rPr dirty="0" err="1"/>
+              <a:t>το</a:t>
+            </a:r>
+            <a:r>
+              <a:rPr dirty="0"/>
+              <a:t> βιβ</a:t>
+            </a:r>
+            <a:r>
+              <a:rPr dirty="0" err="1"/>
+              <a:t>λίο</a:t>
+            </a:r>
+            <a:r>
+              <a:rPr dirty="0"/>
+              <a:t> Deep Learning</a:t>
             </a:r>
           </a:p>
           <a:p>
@@ -5025,7 +5133,7 @@
               <a:defRPr sz="3795"/>
             </a:pPr>
             <a:r>
-              <a:rPr>
+              <a:rPr dirty="0">
                 <a:solidFill>
                   <a:srgbClr val="2A60BB"/>
                 </a:solidFill>
@@ -5033,7 +5141,12 @@
               <a:t>https://www.deeplearningbook.org/ </a:t>
             </a:r>
             <a:r>
-              <a:t>συγκεκριμένα τα κεφάλαια 5.7.2 όπου εξηγούνται οι support</a:t>
+              <a:rPr dirty="0" err="1"/>
+              <a:t>συγκεκριμέν</a:t>
+            </a:r>
+            <a:r>
+              <a:rPr dirty="0"/>
+              <a:t>α τα κεφάλαια 5.7.2 όπου εξηγούνται οι support</a:t>
             </a:r>
           </a:p>
           <a:p>
@@ -5041,7 +5154,24 @@
               <a:defRPr sz="3795"/>
             </a:pPr>
             <a:r>
-              <a:t>vector machines και 9 όπου εξηγούνται τα convolutional neural networks</a:t>
+              <a:rPr dirty="0"/>
+              <a:t>vector machines και 9 όπ</a:t>
+            </a:r>
+            <a:r>
+              <a:rPr dirty="0" err="1"/>
+              <a:t>ου</a:t>
+            </a:r>
+            <a:r>
+              <a:rPr dirty="0"/>
+              <a:t> </a:t>
+            </a:r>
+            <a:r>
+              <a:rPr dirty="0" err="1"/>
+              <a:t>εξηγούντ</a:t>
+            </a:r>
+            <a:r>
+              <a:rPr dirty="0"/>
+              <a:t>αι τα convolutional neural networks</a:t>
             </a:r>
           </a:p>
           <a:p>
@@ -5049,37 +5179,74 @@
               <a:defRPr sz="3795"/>
             </a:pPr>
             <a:r>
+              <a:rPr dirty="0">
+                <a:hlinkClick r:id="rId2"/>
+              </a:rPr>
               <a:t>https://github.com/ageitgey/face_recognition/blob/master/examples/face_recognition_knn.py </a:t>
             </a:r>
+            <a:endParaRPr dirty="0"/>
           </a:p>
           <a:p>
             <a:pPr defTabSz="569594">
               <a:defRPr sz="3795"/>
             </a:pPr>
             <a:r>
-              <a:t>tutorial της TensorFlow </a:t>
-            </a:r>
-            <a:r>
+              <a:rPr dirty="0"/>
+              <a:t>tutorial </a:t>
+            </a:r>
+            <a:r>
+              <a:rPr dirty="0" err="1"/>
+              <a:t>της</a:t>
+            </a:r>
+            <a:r>
+              <a:rPr dirty="0"/>
+              <a:t> TensorFlow </a:t>
+            </a:r>
+            <a:r>
+              <a:rPr lang="el-GR" dirty="0">
+                <a:hlinkClick r:id="rId3"/>
+              </a:rPr>
               <a:t>https://www.tensorflow.org/tutorials/keras/classification</a:t>
             </a:r>
+            <a:endParaRPr lang="el-GR" dirty="0"/>
           </a:p>
           <a:p>
             <a:pPr defTabSz="569594">
               <a:defRPr sz="3795"/>
             </a:pPr>
             <a:r>
-              <a:t>https://www.tensorflow.org/tutorials/load_data/images</a:t>
-            </a:r>
-            <a:r>
-              <a:t> , έφτιαξαμε  ένα μοντέλο το οποίο αναγνωρίζει</a:t>
-            </a:r>
-          </a:p>
-          <a:p>
-            <a:pPr defTabSz="569594">
-              <a:defRPr sz="3795"/>
-            </a:pPr>
-            <a:r>
-              <a:t>την κλάση δηλαδή το άτομο από τον φάκελο train </a:t>
+              <a:rPr lang="el-GR" dirty="0">
+                <a:hlinkClick r:id="rId4"/>
+              </a:rPr>
+              <a:t>https://www.tensorflow.org/tutorials/load_data/images </a:t>
+            </a:r>
+            <a:r>
+              <a:rPr lang="el-GR" dirty="0"/>
+              <a:t>, φτιάξαμε  ένα μοντέλο το οποίο αναγνωρίζει </a:t>
+            </a:r>
+            <a:r>
+              <a:rPr dirty="0" err="1"/>
+              <a:t>την</a:t>
+            </a:r>
+            <a:r>
+              <a:rPr dirty="0"/>
+              <a:t> </a:t>
+            </a:r>
+            <a:r>
+              <a:rPr dirty="0" err="1"/>
+              <a:t>κλάση</a:t>
+            </a:r>
+            <a:r>
+              <a:rPr dirty="0"/>
+              <a:t> </a:t>
+            </a:r>
+            <a:r>
+              <a:rPr dirty="0" err="1"/>
+              <a:t>δηλ</a:t>
+            </a:r>
+            <a:r>
+              <a:rPr dirty="0"/>
+              <a:t>αδή το άτομο από τον φάκελο train </a:t>
             </a:r>
           </a:p>
         </p:txBody>
@@ -5089,12 +5256,12 @@
   <p:clrMapOvr>
     <a:masterClrMapping/>
   </p:clrMapOvr>
-  <p:transition xmlns:p14="http://schemas.microsoft.com/office/powerpoint/2010/main" spd="med" advClick="1"/>
+  <p:transition spd="med"/>
 </p:sld>
 </file>
 
 <file path=ppt/theme/theme1.xml><?xml version="1.0" encoding="utf-8"?>
-<a:theme xmlns:a="http://schemas.openxmlformats.org/drawingml/2006/main" xmlns:r="http://schemas.openxmlformats.org/officeDocument/2006/relationships" name="21_BasicWhite">
+<a:theme xmlns:a="http://schemas.openxmlformats.org/drawingml/2006/main" name="21_BasicWhite">
   <a:themeElements>
     <a:clrScheme name="21_BasicWhite">
       <a:dk1>
@@ -5293,7 +5460,7 @@
         <a:effectLst/>
         <a:sp3d/>
       </a:spPr>
-      <a:bodyPr rot="0" spcFirstLastPara="1" vertOverflow="overflow" horzOverflow="overflow" vert="horz" wrap="square" lIns="50800" tIns="50800" rIns="50800" bIns="50800" numCol="1" spcCol="38100" rtlCol="0" anchor="ctr" upright="0">
+      <a:bodyPr rot="0" spcFirstLastPara="1" vertOverflow="overflow" horzOverflow="overflow" vert="horz" wrap="square" lIns="50800" tIns="50800" rIns="50800" bIns="50800" numCol="1" spcCol="38100" rtlCol="0" anchor="ctr">
         <a:spAutoFit/>
       </a:bodyPr>
       <a:lstStyle>
@@ -5312,7 +5479,7 @@
           <a:buFontTx/>
           <a:buNone/>
           <a:tabLst/>
-          <a:defRPr b="0" baseline="0" cap="none" i="0" spc="0" strike="noStrike" sz="3200" u="none" kumimoji="0" normalizeH="0">
+          <a:defRPr kumimoji="0" sz="3200" b="0" i="0" u="none" strike="noStrike" cap="none" spc="0" normalizeH="0" baseline="0">
             <a:ln>
               <a:noFill/>
             </a:ln>
@@ -5342,7 +5509,7 @@
           <a:buFontTx/>
           <a:buNone/>
           <a:tabLst/>
-          <a:defRPr b="0" baseline="0" cap="none" i="0" spc="0" strike="noStrike" sz="1800" u="none" kumimoji="0" normalizeH="0">
+          <a:defRPr kumimoji="0" sz="1800" b="0" i="0" u="none" strike="noStrike" cap="none" spc="0" normalizeH="0" baseline="0">
             <a:ln>
               <a:noFill/>
             </a:ln>
@@ -5368,7 +5535,7 @@
           <a:buFontTx/>
           <a:buNone/>
           <a:tabLst/>
-          <a:defRPr b="0" baseline="0" cap="none" i="0" spc="0" strike="noStrike" sz="1800" u="none" kumimoji="0" normalizeH="0">
+          <a:defRPr kumimoji="0" sz="1800" b="0" i="0" u="none" strike="noStrike" cap="none" spc="0" normalizeH="0" baseline="0">
             <a:ln>
               <a:noFill/>
             </a:ln>
@@ -5394,7 +5561,7 @@
           <a:buFontTx/>
           <a:buNone/>
           <a:tabLst/>
-          <a:defRPr b="0" baseline="0" cap="none" i="0" spc="0" strike="noStrike" sz="1800" u="none" kumimoji="0" normalizeH="0">
+          <a:defRPr kumimoji="0" sz="1800" b="0" i="0" u="none" strike="noStrike" cap="none" spc="0" normalizeH="0" baseline="0">
             <a:ln>
               <a:noFill/>
             </a:ln>
@@ -5420,7 +5587,7 @@
           <a:buFontTx/>
           <a:buNone/>
           <a:tabLst/>
-          <a:defRPr b="0" baseline="0" cap="none" i="0" spc="0" strike="noStrike" sz="1800" u="none" kumimoji="0" normalizeH="0">
+          <a:defRPr kumimoji="0" sz="1800" b="0" i="0" u="none" strike="noStrike" cap="none" spc="0" normalizeH="0" baseline="0">
             <a:ln>
               <a:noFill/>
             </a:ln>
@@ -5446,7 +5613,7 @@
           <a:buFontTx/>
           <a:buNone/>
           <a:tabLst/>
-          <a:defRPr b="0" baseline="0" cap="none" i="0" spc="0" strike="noStrike" sz="1800" u="none" kumimoji="0" normalizeH="0">
+          <a:defRPr kumimoji="0" sz="1800" b="0" i="0" u="none" strike="noStrike" cap="none" spc="0" normalizeH="0" baseline="0">
             <a:ln>
               <a:noFill/>
             </a:ln>
@@ -5472,7 +5639,7 @@
           <a:buFontTx/>
           <a:buNone/>
           <a:tabLst/>
-          <a:defRPr b="0" baseline="0" cap="none" i="0" spc="0" strike="noStrike" sz="1800" u="none" kumimoji="0" normalizeH="0">
+          <a:defRPr kumimoji="0" sz="1800" b="0" i="0" u="none" strike="noStrike" cap="none" spc="0" normalizeH="0" baseline="0">
             <a:ln>
               <a:noFill/>
             </a:ln>
@@ -5498,7 +5665,7 @@
           <a:buFontTx/>
           <a:buNone/>
           <a:tabLst/>
-          <a:defRPr b="0" baseline="0" cap="none" i="0" spc="0" strike="noStrike" sz="1800" u="none" kumimoji="0" normalizeH="0">
+          <a:defRPr kumimoji="0" sz="1800" b="0" i="0" u="none" strike="noStrike" cap="none" spc="0" normalizeH="0" baseline="0">
             <a:ln>
               <a:noFill/>
             </a:ln>
@@ -5524,7 +5691,7 @@
           <a:buFontTx/>
           <a:buNone/>
           <a:tabLst/>
-          <a:defRPr b="0" baseline="0" cap="none" i="0" spc="0" strike="noStrike" sz="1800" u="none" kumimoji="0" normalizeH="0">
+          <a:defRPr kumimoji="0" sz="1800" b="0" i="0" u="none" strike="noStrike" cap="none" spc="0" normalizeH="0" baseline="0">
             <a:ln>
               <a:noFill/>
             </a:ln>
@@ -5550,7 +5717,7 @@
           <a:buFontTx/>
           <a:buNone/>
           <a:tabLst/>
-          <a:defRPr b="0" baseline="0" cap="none" i="0" spc="0" strike="noStrike" sz="1800" u="none" kumimoji="0" normalizeH="0">
+          <a:defRPr kumimoji="0" sz="1800" b="0" i="0" u="none" strike="noStrike" cap="none" spc="0" normalizeH="0" baseline="0">
             <a:ln>
               <a:noFill/>
             </a:ln>
@@ -5563,9 +5730,15 @@
         </a:lvl9pPr>
       </a:lstStyle>
       <a:style>
-        <a:lnRef idx="0"/>
-        <a:fillRef idx="0"/>
-        <a:effectRef idx="0"/>
+        <a:lnRef idx="0">
+          <a:scrgbClr r="0" g="0" b="0"/>
+        </a:lnRef>
+        <a:fillRef idx="0">
+          <a:scrgbClr r="0" g="0" b="0"/>
+        </a:fillRef>
+        <a:effectRef idx="0">
+          <a:scrgbClr r="0" g="0" b="0"/>
+        </a:effectRef>
         <a:fontRef idx="none"/>
       </a:style>
     </a:spDef>
@@ -5582,7 +5755,7 @@
         <a:effectLst/>
         <a:sp3d/>
       </a:spPr>
-      <a:bodyPr rot="0" spcFirstLastPara="1" vertOverflow="overflow" horzOverflow="overflow" vert="horz" wrap="square" lIns="91439" tIns="45719" rIns="91439" bIns="45719" numCol="1" spcCol="38100" rtlCol="0" anchor="t" upright="0">
+      <a:bodyPr rot="0" spcFirstLastPara="1" vertOverflow="overflow" horzOverflow="overflow" vert="horz" wrap="square" lIns="91439" tIns="45719" rIns="91439" bIns="45719" numCol="1" spcCol="38100" rtlCol="0" anchor="t">
         <a:noAutofit/>
       </a:bodyPr>
       <a:lstStyle>
@@ -5601,7 +5774,7 @@
           <a:buFontTx/>
           <a:buNone/>
           <a:tabLst/>
-          <a:defRPr b="0" baseline="0" cap="none" i="0" spc="0" strike="noStrike" sz="1800" u="none" kumimoji="0" normalizeH="0">
+          <a:defRPr kumimoji="0" sz="1800" b="0" i="0" u="none" strike="noStrike" cap="none" spc="0" normalizeH="0" baseline="0">
             <a:ln>
               <a:noFill/>
             </a:ln>
@@ -5627,7 +5800,7 @@
           <a:buFontTx/>
           <a:buNone/>
           <a:tabLst/>
-          <a:defRPr b="0" baseline="0" cap="none" i="0" spc="0" strike="noStrike" sz="1800" u="none" kumimoji="0" normalizeH="0">
+          <a:defRPr kumimoji="0" sz="1800" b="0" i="0" u="none" strike="noStrike" cap="none" spc="0" normalizeH="0" baseline="0">
             <a:ln>
               <a:noFill/>
             </a:ln>
@@ -5653,7 +5826,7 @@
           <a:buFontTx/>
           <a:buNone/>
           <a:tabLst/>
-          <a:defRPr b="0" baseline="0" cap="none" i="0" spc="0" strike="noStrike" sz="1800" u="none" kumimoji="0" normalizeH="0">
+          <a:defRPr kumimoji="0" sz="1800" b="0" i="0" u="none" strike="noStrike" cap="none" spc="0" normalizeH="0" baseline="0">
             <a:ln>
               <a:noFill/>
             </a:ln>
@@ -5679,7 +5852,7 @@
           <a:buFontTx/>
           <a:buNone/>
           <a:tabLst/>
-          <a:defRPr b="0" baseline="0" cap="none" i="0" spc="0" strike="noStrike" sz="1800" u="none" kumimoji="0" normalizeH="0">
+          <a:defRPr kumimoji="0" sz="1800" b="0" i="0" u="none" strike="noStrike" cap="none" spc="0" normalizeH="0" baseline="0">
             <a:ln>
               <a:noFill/>
             </a:ln>
@@ -5705,7 +5878,7 @@
           <a:buFontTx/>
           <a:buNone/>
           <a:tabLst/>
-          <a:defRPr b="0" baseline="0" cap="none" i="0" spc="0" strike="noStrike" sz="1800" u="none" kumimoji="0" normalizeH="0">
+          <a:defRPr kumimoji="0" sz="1800" b="0" i="0" u="none" strike="noStrike" cap="none" spc="0" normalizeH="0" baseline="0">
             <a:ln>
               <a:noFill/>
             </a:ln>
@@ -5731,7 +5904,7 @@
           <a:buFontTx/>
           <a:buNone/>
           <a:tabLst/>
-          <a:defRPr b="0" baseline="0" cap="none" i="0" spc="0" strike="noStrike" sz="1800" u="none" kumimoji="0" normalizeH="0">
+          <a:defRPr kumimoji="0" sz="1800" b="0" i="0" u="none" strike="noStrike" cap="none" spc="0" normalizeH="0" baseline="0">
             <a:ln>
               <a:noFill/>
             </a:ln>
@@ -5757,7 +5930,7 @@
           <a:buFontTx/>
           <a:buNone/>
           <a:tabLst/>
-          <a:defRPr b="0" baseline="0" cap="none" i="0" spc="0" strike="noStrike" sz="1800" u="none" kumimoji="0" normalizeH="0">
+          <a:defRPr kumimoji="0" sz="1800" b="0" i="0" u="none" strike="noStrike" cap="none" spc="0" normalizeH="0" baseline="0">
             <a:ln>
               <a:noFill/>
             </a:ln>
@@ -5783,7 +5956,7 @@
           <a:buFontTx/>
           <a:buNone/>
           <a:tabLst/>
-          <a:defRPr b="0" baseline="0" cap="none" i="0" spc="0" strike="noStrike" sz="1800" u="none" kumimoji="0" normalizeH="0">
+          <a:defRPr kumimoji="0" sz="1800" b="0" i="0" u="none" strike="noStrike" cap="none" spc="0" normalizeH="0" baseline="0">
             <a:ln>
               <a:noFill/>
             </a:ln>
@@ -5809,7 +5982,7 @@
           <a:buFontTx/>
           <a:buNone/>
           <a:tabLst/>
-          <a:defRPr b="0" baseline="0" cap="none" i="0" spc="0" strike="noStrike" sz="1800" u="none" kumimoji="0" normalizeH="0">
+          <a:defRPr kumimoji="0" sz="1800" b="0" i="0" u="none" strike="noStrike" cap="none" spc="0" normalizeH="0" baseline="0">
             <a:ln>
               <a:noFill/>
             </a:ln>
@@ -5835,7 +6008,7 @@
           <a:buFontTx/>
           <a:buNone/>
           <a:tabLst/>
-          <a:defRPr b="0" baseline="0" cap="none" i="0" spc="0" strike="noStrike" sz="1800" u="none" kumimoji="0" normalizeH="0">
+          <a:defRPr kumimoji="0" sz="1800" b="0" i="0" u="none" strike="noStrike" cap="none" spc="0" normalizeH="0" baseline="0">
             <a:ln>
               <a:noFill/>
             </a:ln>
@@ -5848,9 +6021,15 @@
         </a:lvl9pPr>
       </a:lstStyle>
       <a:style>
-        <a:lnRef idx="0"/>
-        <a:fillRef idx="0"/>
-        <a:effectRef idx="0"/>
+        <a:lnRef idx="0">
+          <a:scrgbClr r="0" g="0" b="0"/>
+        </a:lnRef>
+        <a:fillRef idx="0">
+          <a:scrgbClr r="0" g="0" b="0"/>
+        </a:fillRef>
+        <a:effectRef idx="0">
+          <a:scrgbClr r="0" g="0" b="0"/>
+        </a:effectRef>
         <a:fontRef idx="none"/>
       </a:style>
     </a:lnDef>
@@ -5864,7 +6043,7 @@
         <a:effectLst/>
         <a:sp3d/>
       </a:spPr>
-      <a:bodyPr rot="0" spcFirstLastPara="1" vertOverflow="overflow" horzOverflow="overflow" vert="horz" wrap="square" lIns="50800" tIns="50800" rIns="50800" bIns="50800" numCol="1" spcCol="38100" rtlCol="0" anchor="ctr" upright="0">
+      <a:bodyPr rot="0" spcFirstLastPara="1" vertOverflow="overflow" horzOverflow="overflow" vert="horz" wrap="square" lIns="50800" tIns="50800" rIns="50800" bIns="50800" numCol="1" spcCol="38100" rtlCol="0" anchor="ctr">
         <a:spAutoFit/>
       </a:bodyPr>
       <a:lstStyle>
@@ -5883,7 +6062,7 @@
           <a:buFontTx/>
           <a:buNone/>
           <a:tabLst/>
-          <a:defRPr b="0" baseline="0" cap="none" i="0" spc="0" strike="noStrike" sz="2400" u="none" kumimoji="0" normalizeH="0">
+          <a:defRPr kumimoji="0" sz="2400" b="0" i="0" u="none" strike="noStrike" cap="none" spc="0" normalizeH="0" baseline="0">
             <a:ln>
               <a:noFill/>
             </a:ln>
@@ -5913,7 +6092,7 @@
           <a:buFontTx/>
           <a:buNone/>
           <a:tabLst/>
-          <a:defRPr b="0" baseline="0" cap="none" i="0" spc="0" strike="noStrike" sz="1800" u="none" kumimoji="0" normalizeH="0">
+          <a:defRPr kumimoji="0" sz="1800" b="0" i="0" u="none" strike="noStrike" cap="none" spc="0" normalizeH="0" baseline="0">
             <a:ln>
               <a:noFill/>
             </a:ln>
@@ -5939,7 +6118,7 @@
           <a:buFontTx/>
           <a:buNone/>
           <a:tabLst/>
-          <a:defRPr b="0" baseline="0" cap="none" i="0" spc="0" strike="noStrike" sz="1800" u="none" kumimoji="0" normalizeH="0">
+          <a:defRPr kumimoji="0" sz="1800" b="0" i="0" u="none" strike="noStrike" cap="none" spc="0" normalizeH="0" baseline="0">
             <a:ln>
               <a:noFill/>
             </a:ln>
@@ -5965,7 +6144,7 @@
           <a:buFontTx/>
           <a:buNone/>
           <a:tabLst/>
-          <a:defRPr b="0" baseline="0" cap="none" i="0" spc="0" strike="noStrike" sz="1800" u="none" kumimoji="0" normalizeH="0">
+          <a:defRPr kumimoji="0" sz="1800" b="0" i="0" u="none" strike="noStrike" cap="none" spc="0" normalizeH="0" baseline="0">
             <a:ln>
               <a:noFill/>
             </a:ln>
@@ -5991,7 +6170,7 @@
           <a:buFontTx/>
           <a:buNone/>
           <a:tabLst/>
-          <a:defRPr b="0" baseline="0" cap="none" i="0" spc="0" strike="noStrike" sz="1800" u="none" kumimoji="0" normalizeH="0">
+          <a:defRPr kumimoji="0" sz="1800" b="0" i="0" u="none" strike="noStrike" cap="none" spc="0" normalizeH="0" baseline="0">
             <a:ln>
               <a:noFill/>
             </a:ln>
@@ -6017,7 +6196,7 @@
           <a:buFontTx/>
           <a:buNone/>
           <a:tabLst/>
-          <a:defRPr b="0" baseline="0" cap="none" i="0" spc="0" strike="noStrike" sz="1800" u="none" kumimoji="0" normalizeH="0">
+          <a:defRPr kumimoji="0" sz="1800" b="0" i="0" u="none" strike="noStrike" cap="none" spc="0" normalizeH="0" baseline="0">
             <a:ln>
               <a:noFill/>
             </a:ln>
@@ -6043,7 +6222,7 @@
           <a:buFontTx/>
           <a:buNone/>
           <a:tabLst/>
-          <a:defRPr b="0" baseline="0" cap="none" i="0" spc="0" strike="noStrike" sz="1800" u="none" kumimoji="0" normalizeH="0">
+          <a:defRPr kumimoji="0" sz="1800" b="0" i="0" u="none" strike="noStrike" cap="none" spc="0" normalizeH="0" baseline="0">
             <a:ln>
               <a:noFill/>
             </a:ln>
@@ -6069,7 +6248,7 @@
           <a:buFontTx/>
           <a:buNone/>
           <a:tabLst/>
-          <a:defRPr b="0" baseline="0" cap="none" i="0" spc="0" strike="noStrike" sz="1800" u="none" kumimoji="0" normalizeH="0">
+          <a:defRPr kumimoji="0" sz="1800" b="0" i="0" u="none" strike="noStrike" cap="none" spc="0" normalizeH="0" baseline="0">
             <a:ln>
               <a:noFill/>
             </a:ln>
@@ -6095,7 +6274,7 @@
           <a:buFontTx/>
           <a:buNone/>
           <a:tabLst/>
-          <a:defRPr b="0" baseline="0" cap="none" i="0" spc="0" strike="noStrike" sz="1800" u="none" kumimoji="0" normalizeH="0">
+          <a:defRPr kumimoji="0" sz="1800" b="0" i="0" u="none" strike="noStrike" cap="none" spc="0" normalizeH="0" baseline="0">
             <a:ln>
               <a:noFill/>
             </a:ln>
@@ -6121,7 +6300,7 @@
           <a:buFontTx/>
           <a:buNone/>
           <a:tabLst/>
-          <a:defRPr b="0" baseline="0" cap="none" i="0" spc="0" strike="noStrike" sz="1800" u="none" kumimoji="0" normalizeH="0">
+          <a:defRPr kumimoji="0" sz="1800" b="0" i="0" u="none" strike="noStrike" cap="none" spc="0" normalizeH="0" baseline="0">
             <a:ln>
               <a:noFill/>
             </a:ln>
@@ -6134,18 +6313,25 @@
         </a:lvl9pPr>
       </a:lstStyle>
       <a:style>
-        <a:lnRef idx="0"/>
-        <a:fillRef idx="0"/>
-        <a:effectRef idx="0"/>
+        <a:lnRef idx="0">
+          <a:scrgbClr r="0" g="0" b="0"/>
+        </a:lnRef>
+        <a:fillRef idx="0">
+          <a:scrgbClr r="0" g="0" b="0"/>
+        </a:fillRef>
+        <a:effectRef idx="0">
+          <a:scrgbClr r="0" g="0" b="0"/>
+        </a:effectRef>
         <a:fontRef idx="none"/>
       </a:style>
     </a:txDef>
   </a:objectDefaults>
+  <a:extraClrSchemeLst/>
 </a:theme>
 </file>
 
 <file path=ppt/theme/theme2.xml><?xml version="1.0" encoding="utf-8"?>
-<a:theme xmlns:a="http://schemas.openxmlformats.org/drawingml/2006/main" xmlns:r="http://schemas.openxmlformats.org/officeDocument/2006/relationships" name="21_BasicWhite">
+<a:theme xmlns:a="http://schemas.openxmlformats.org/drawingml/2006/main" name="21_BasicWhite">
   <a:themeElements>
     <a:clrScheme name="21_BasicWhite">
       <a:dk1>
@@ -6344,7 +6530,7 @@
         <a:effectLst/>
         <a:sp3d/>
       </a:spPr>
-      <a:bodyPr rot="0" spcFirstLastPara="1" vertOverflow="overflow" horzOverflow="overflow" vert="horz" wrap="square" lIns="50800" tIns="50800" rIns="50800" bIns="50800" numCol="1" spcCol="38100" rtlCol="0" anchor="ctr" upright="0">
+      <a:bodyPr rot="0" spcFirstLastPara="1" vertOverflow="overflow" horzOverflow="overflow" vert="horz" wrap="square" lIns="50800" tIns="50800" rIns="50800" bIns="50800" numCol="1" spcCol="38100" rtlCol="0" anchor="ctr">
         <a:spAutoFit/>
       </a:bodyPr>
       <a:lstStyle>
@@ -6363,7 +6549,7 @@
           <a:buFontTx/>
           <a:buNone/>
           <a:tabLst/>
-          <a:defRPr b="0" baseline="0" cap="none" i="0" spc="0" strike="noStrike" sz="3200" u="none" kumimoji="0" normalizeH="0">
+          <a:defRPr kumimoji="0" sz="3200" b="0" i="0" u="none" strike="noStrike" cap="none" spc="0" normalizeH="0" baseline="0">
             <a:ln>
               <a:noFill/>
             </a:ln>
@@ -6393,7 +6579,7 @@
           <a:buFontTx/>
           <a:buNone/>
           <a:tabLst/>
-          <a:defRPr b="0" baseline="0" cap="none" i="0" spc="0" strike="noStrike" sz="1800" u="none" kumimoji="0" normalizeH="0">
+          <a:defRPr kumimoji="0" sz="1800" b="0" i="0" u="none" strike="noStrike" cap="none" spc="0" normalizeH="0" baseline="0">
             <a:ln>
               <a:noFill/>
             </a:ln>
@@ -6419,7 +6605,7 @@
           <a:buFontTx/>
           <a:buNone/>
           <a:tabLst/>
-          <a:defRPr b="0" baseline="0" cap="none" i="0" spc="0" strike="noStrike" sz="1800" u="none" kumimoji="0" normalizeH="0">
+          <a:defRPr kumimoji="0" sz="1800" b="0" i="0" u="none" strike="noStrike" cap="none" spc="0" normalizeH="0" baseline="0">
             <a:ln>
               <a:noFill/>
             </a:ln>
@@ -6445,7 +6631,7 @@
           <a:buFontTx/>
           <a:buNone/>
           <a:tabLst/>
-          <a:defRPr b="0" baseline="0" cap="none" i="0" spc="0" strike="noStrike" sz="1800" u="none" kumimoji="0" normalizeH="0">
+          <a:defRPr kumimoji="0" sz="1800" b="0" i="0" u="none" strike="noStrike" cap="none" spc="0" normalizeH="0" baseline="0">
             <a:ln>
               <a:noFill/>
             </a:ln>
@@ -6471,7 +6657,7 @@
           <a:buFontTx/>
           <a:buNone/>
           <a:tabLst/>
-          <a:defRPr b="0" baseline="0" cap="none" i="0" spc="0" strike="noStrike" sz="1800" u="none" kumimoji="0" normalizeH="0">
+          <a:defRPr kumimoji="0" sz="1800" b="0" i="0" u="none" strike="noStrike" cap="none" spc="0" normalizeH="0" baseline="0">
             <a:ln>
               <a:noFill/>
             </a:ln>
@@ -6497,7 +6683,7 @@
           <a:buFontTx/>
           <a:buNone/>
           <a:tabLst/>
-          <a:defRPr b="0" baseline="0" cap="none" i="0" spc="0" strike="noStrike" sz="1800" u="none" kumimoji="0" normalizeH="0">
+          <a:defRPr kumimoji="0" sz="1800" b="0" i="0" u="none" strike="noStrike" cap="none" spc="0" normalizeH="0" baseline="0">
             <a:ln>
               <a:noFill/>
             </a:ln>
@@ -6523,7 +6709,7 @@
           <a:buFontTx/>
           <a:buNone/>
           <a:tabLst/>
-          <a:defRPr b="0" baseline="0" cap="none" i="0" spc="0" strike="noStrike" sz="1800" u="none" kumimoji="0" normalizeH="0">
+          <a:defRPr kumimoji="0" sz="1800" b="0" i="0" u="none" strike="noStrike" cap="none" spc="0" normalizeH="0" baseline="0">
             <a:ln>
               <a:noFill/>
             </a:ln>
@@ -6549,7 +6735,7 @@
           <a:buFontTx/>
           <a:buNone/>
           <a:tabLst/>
-          <a:defRPr b="0" baseline="0" cap="none" i="0" spc="0" strike="noStrike" sz="1800" u="none" kumimoji="0" normalizeH="0">
+          <a:defRPr kumimoji="0" sz="1800" b="0" i="0" u="none" strike="noStrike" cap="none" spc="0" normalizeH="0" baseline="0">
             <a:ln>
               <a:noFill/>
             </a:ln>
@@ -6575,7 +6761,7 @@
           <a:buFontTx/>
           <a:buNone/>
           <a:tabLst/>
-          <a:defRPr b="0" baseline="0" cap="none" i="0" spc="0" strike="noStrike" sz="1800" u="none" kumimoji="0" normalizeH="0">
+          <a:defRPr kumimoji="0" sz="1800" b="0" i="0" u="none" strike="noStrike" cap="none" spc="0" normalizeH="0" baseline="0">
             <a:ln>
               <a:noFill/>
             </a:ln>
@@ -6601,7 +6787,7 @@
           <a:buFontTx/>
           <a:buNone/>
           <a:tabLst/>
-          <a:defRPr b="0" baseline="0" cap="none" i="0" spc="0" strike="noStrike" sz="1800" u="none" kumimoji="0" normalizeH="0">
+          <a:defRPr kumimoji="0" sz="1800" b="0" i="0" u="none" strike="noStrike" cap="none" spc="0" normalizeH="0" baseline="0">
             <a:ln>
               <a:noFill/>
             </a:ln>
@@ -6614,9 +6800,15 @@
         </a:lvl9pPr>
       </a:lstStyle>
       <a:style>
-        <a:lnRef idx="0"/>
-        <a:fillRef idx="0"/>
-        <a:effectRef idx="0"/>
+        <a:lnRef idx="0">
+          <a:scrgbClr r="0" g="0" b="0"/>
+        </a:lnRef>
+        <a:fillRef idx="0">
+          <a:scrgbClr r="0" g="0" b="0"/>
+        </a:fillRef>
+        <a:effectRef idx="0">
+          <a:scrgbClr r="0" g="0" b="0"/>
+        </a:effectRef>
         <a:fontRef idx="none"/>
       </a:style>
     </a:spDef>
@@ -6633,7 +6825,7 @@
         <a:effectLst/>
         <a:sp3d/>
       </a:spPr>
-      <a:bodyPr rot="0" spcFirstLastPara="1" vertOverflow="overflow" horzOverflow="overflow" vert="horz" wrap="square" lIns="91439" tIns="45719" rIns="91439" bIns="45719" numCol="1" spcCol="38100" rtlCol="0" anchor="t" upright="0">
+      <a:bodyPr rot="0" spcFirstLastPara="1" vertOverflow="overflow" horzOverflow="overflow" vert="horz" wrap="square" lIns="91439" tIns="45719" rIns="91439" bIns="45719" numCol="1" spcCol="38100" rtlCol="0" anchor="t">
         <a:noAutofit/>
       </a:bodyPr>
       <a:lstStyle>
@@ -6652,7 +6844,7 @@
           <a:buFontTx/>
           <a:buNone/>
           <a:tabLst/>
-          <a:defRPr b="0" baseline="0" cap="none" i="0" spc="0" strike="noStrike" sz="1800" u="none" kumimoji="0" normalizeH="0">
+          <a:defRPr kumimoji="0" sz="1800" b="0" i="0" u="none" strike="noStrike" cap="none" spc="0" normalizeH="0" baseline="0">
             <a:ln>
               <a:noFill/>
             </a:ln>
@@ -6678,7 +6870,7 @@
           <a:buFontTx/>
           <a:buNone/>
           <a:tabLst/>
-          <a:defRPr b="0" baseline="0" cap="none" i="0" spc="0" strike="noStrike" sz="1800" u="none" kumimoji="0" normalizeH="0">
+          <a:defRPr kumimoji="0" sz="1800" b="0" i="0" u="none" strike="noStrike" cap="none" spc="0" normalizeH="0" baseline="0">
             <a:ln>
               <a:noFill/>
             </a:ln>
@@ -6704,7 +6896,7 @@
           <a:buFontTx/>
           <a:buNone/>
           <a:tabLst/>
-          <a:defRPr b="0" baseline="0" cap="none" i="0" spc="0" strike="noStrike" sz="1800" u="none" kumimoji="0" normalizeH="0">
+          <a:defRPr kumimoji="0" sz="1800" b="0" i="0" u="none" strike="noStrike" cap="none" spc="0" normalizeH="0" baseline="0">
             <a:ln>
               <a:noFill/>
             </a:ln>
@@ -6730,7 +6922,7 @@
           <a:buFontTx/>
           <a:buNone/>
           <a:tabLst/>
-          <a:defRPr b="0" baseline="0" cap="none" i="0" spc="0" strike="noStrike" sz="1800" u="none" kumimoji="0" normalizeH="0">
+          <a:defRPr kumimoji="0" sz="1800" b="0" i="0" u="none" strike="noStrike" cap="none" spc="0" normalizeH="0" baseline="0">
             <a:ln>
               <a:noFill/>
             </a:ln>
@@ -6756,7 +6948,7 @@
           <a:buFontTx/>
           <a:buNone/>
           <a:tabLst/>
-          <a:defRPr b="0" baseline="0" cap="none" i="0" spc="0" strike="noStrike" sz="1800" u="none" kumimoji="0" normalizeH="0">
+          <a:defRPr kumimoji="0" sz="1800" b="0" i="0" u="none" strike="noStrike" cap="none" spc="0" normalizeH="0" baseline="0">
             <a:ln>
               <a:noFill/>
             </a:ln>
@@ -6782,7 +6974,7 @@
           <a:buFontTx/>
           <a:buNone/>
           <a:tabLst/>
-          <a:defRPr b="0" baseline="0" cap="none" i="0" spc="0" strike="noStrike" sz="1800" u="none" kumimoji="0" normalizeH="0">
+          <a:defRPr kumimoji="0" sz="1800" b="0" i="0" u="none" strike="noStrike" cap="none" spc="0" normalizeH="0" baseline="0">
             <a:ln>
               <a:noFill/>
             </a:ln>
@@ -6808,7 +7000,7 @@
           <a:buFontTx/>
           <a:buNone/>
           <a:tabLst/>
-          <a:defRPr b="0" baseline="0" cap="none" i="0" spc="0" strike="noStrike" sz="1800" u="none" kumimoji="0" normalizeH="0">
+          <a:defRPr kumimoji="0" sz="1800" b="0" i="0" u="none" strike="noStrike" cap="none" spc="0" normalizeH="0" baseline="0">
             <a:ln>
               <a:noFill/>
             </a:ln>
@@ -6834,7 +7026,7 @@
           <a:buFontTx/>
           <a:buNone/>
           <a:tabLst/>
-          <a:defRPr b="0" baseline="0" cap="none" i="0" spc="0" strike="noStrike" sz="1800" u="none" kumimoji="0" normalizeH="0">
+          <a:defRPr kumimoji="0" sz="1800" b="0" i="0" u="none" strike="noStrike" cap="none" spc="0" normalizeH="0" baseline="0">
             <a:ln>
               <a:noFill/>
             </a:ln>
@@ -6860,7 +7052,7 @@
           <a:buFontTx/>
           <a:buNone/>
           <a:tabLst/>
-          <a:defRPr b="0" baseline="0" cap="none" i="0" spc="0" strike="noStrike" sz="1800" u="none" kumimoji="0" normalizeH="0">
+          <a:defRPr kumimoji="0" sz="1800" b="0" i="0" u="none" strike="noStrike" cap="none" spc="0" normalizeH="0" baseline="0">
             <a:ln>
               <a:noFill/>
             </a:ln>
@@ -6886,7 +7078,7 @@
           <a:buFontTx/>
           <a:buNone/>
           <a:tabLst/>
-          <a:defRPr b="0" baseline="0" cap="none" i="0" spc="0" strike="noStrike" sz="1800" u="none" kumimoji="0" normalizeH="0">
+          <a:defRPr kumimoji="0" sz="1800" b="0" i="0" u="none" strike="noStrike" cap="none" spc="0" normalizeH="0" baseline="0">
             <a:ln>
               <a:noFill/>
             </a:ln>
@@ -6899,9 +7091,15 @@
         </a:lvl9pPr>
       </a:lstStyle>
       <a:style>
-        <a:lnRef idx="0"/>
-        <a:fillRef idx="0"/>
-        <a:effectRef idx="0"/>
+        <a:lnRef idx="0">
+          <a:scrgbClr r="0" g="0" b="0"/>
+        </a:lnRef>
+        <a:fillRef idx="0">
+          <a:scrgbClr r="0" g="0" b="0"/>
+        </a:fillRef>
+        <a:effectRef idx="0">
+          <a:scrgbClr r="0" g="0" b="0"/>
+        </a:effectRef>
         <a:fontRef idx="none"/>
       </a:style>
     </a:lnDef>
@@ -6915,7 +7113,7 @@
         <a:effectLst/>
         <a:sp3d/>
       </a:spPr>
-      <a:bodyPr rot="0" spcFirstLastPara="1" vertOverflow="overflow" horzOverflow="overflow" vert="horz" wrap="square" lIns="50800" tIns="50800" rIns="50800" bIns="50800" numCol="1" spcCol="38100" rtlCol="0" anchor="ctr" upright="0">
+      <a:bodyPr rot="0" spcFirstLastPara="1" vertOverflow="overflow" horzOverflow="overflow" vert="horz" wrap="square" lIns="50800" tIns="50800" rIns="50800" bIns="50800" numCol="1" spcCol="38100" rtlCol="0" anchor="ctr">
         <a:spAutoFit/>
       </a:bodyPr>
       <a:lstStyle>
@@ -6934,7 +7132,7 @@
           <a:buFontTx/>
           <a:buNone/>
           <a:tabLst/>
-          <a:defRPr b="0" baseline="0" cap="none" i="0" spc="0" strike="noStrike" sz="2400" u="none" kumimoji="0" normalizeH="0">
+          <a:defRPr kumimoji="0" sz="2400" b="0" i="0" u="none" strike="noStrike" cap="none" spc="0" normalizeH="0" baseline="0">
             <a:ln>
               <a:noFill/>
             </a:ln>
@@ -6964,7 +7162,7 @@
           <a:buFontTx/>
           <a:buNone/>
           <a:tabLst/>
-          <a:defRPr b="0" baseline="0" cap="none" i="0" spc="0" strike="noStrike" sz="1800" u="none" kumimoji="0" normalizeH="0">
+          <a:defRPr kumimoji="0" sz="1800" b="0" i="0" u="none" strike="noStrike" cap="none" spc="0" normalizeH="0" baseline="0">
             <a:ln>
               <a:noFill/>
             </a:ln>
@@ -6990,7 +7188,7 @@
           <a:buFontTx/>
           <a:buNone/>
           <a:tabLst/>
-          <a:defRPr b="0" baseline="0" cap="none" i="0" spc="0" strike="noStrike" sz="1800" u="none" kumimoji="0" normalizeH="0">
+          <a:defRPr kumimoji="0" sz="1800" b="0" i="0" u="none" strike="noStrike" cap="none" spc="0" normalizeH="0" baseline="0">
             <a:ln>
               <a:noFill/>
             </a:ln>
@@ -7016,7 +7214,7 @@
           <a:buFontTx/>
           <a:buNone/>
           <a:tabLst/>
-          <a:defRPr b="0" baseline="0" cap="none" i="0" spc="0" strike="noStrike" sz="1800" u="none" kumimoji="0" normalizeH="0">
+          <a:defRPr kumimoji="0" sz="1800" b="0" i="0" u="none" strike="noStrike" cap="none" spc="0" normalizeH="0" baseline="0">
             <a:ln>
               <a:noFill/>
             </a:ln>
@@ -7042,7 +7240,7 @@
           <a:buFontTx/>
           <a:buNone/>
           <a:tabLst/>
-          <a:defRPr b="0" baseline="0" cap="none" i="0" spc="0" strike="noStrike" sz="1800" u="none" kumimoji="0" normalizeH="0">
+          <a:defRPr kumimoji="0" sz="1800" b="0" i="0" u="none" strike="noStrike" cap="none" spc="0" normalizeH="0" baseline="0">
             <a:ln>
               <a:noFill/>
             </a:ln>
@@ -7068,7 +7266,7 @@
           <a:buFontTx/>
           <a:buNone/>
           <a:tabLst/>
-          <a:defRPr b="0" baseline="0" cap="none" i="0" spc="0" strike="noStrike" sz="1800" u="none" kumimoji="0" normalizeH="0">
+          <a:defRPr kumimoji="0" sz="1800" b="0" i="0" u="none" strike="noStrike" cap="none" spc="0" normalizeH="0" baseline="0">
             <a:ln>
               <a:noFill/>
             </a:ln>
@@ -7094,7 +7292,7 @@
           <a:buFontTx/>
           <a:buNone/>
           <a:tabLst/>
-          <a:defRPr b="0" baseline="0" cap="none" i="0" spc="0" strike="noStrike" sz="1800" u="none" kumimoji="0" normalizeH="0">
+          <a:defRPr kumimoji="0" sz="1800" b="0" i="0" u="none" strike="noStrike" cap="none" spc="0" normalizeH="0" baseline="0">
             <a:ln>
               <a:noFill/>
             </a:ln>
@@ -7120,7 +7318,7 @@
           <a:buFontTx/>
           <a:buNone/>
           <a:tabLst/>
-          <a:defRPr b="0" baseline="0" cap="none" i="0" spc="0" strike="noStrike" sz="1800" u="none" kumimoji="0" normalizeH="0">
+          <a:defRPr kumimoji="0" sz="1800" b="0" i="0" u="none" strike="noStrike" cap="none" spc="0" normalizeH="0" baseline="0">
             <a:ln>
               <a:noFill/>
             </a:ln>
@@ -7146,7 +7344,7 @@
           <a:buFontTx/>
           <a:buNone/>
           <a:tabLst/>
-          <a:defRPr b="0" baseline="0" cap="none" i="0" spc="0" strike="noStrike" sz="1800" u="none" kumimoji="0" normalizeH="0">
+          <a:defRPr kumimoji="0" sz="1800" b="0" i="0" u="none" strike="noStrike" cap="none" spc="0" normalizeH="0" baseline="0">
             <a:ln>
               <a:noFill/>
             </a:ln>
@@ -7172,7 +7370,7 @@
           <a:buFontTx/>
           <a:buNone/>
           <a:tabLst/>
-          <a:defRPr b="0" baseline="0" cap="none" i="0" spc="0" strike="noStrike" sz="1800" u="none" kumimoji="0" normalizeH="0">
+          <a:defRPr kumimoji="0" sz="1800" b="0" i="0" u="none" strike="noStrike" cap="none" spc="0" normalizeH="0" baseline="0">
             <a:ln>
               <a:noFill/>
             </a:ln>
@@ -7185,12 +7383,19 @@
         </a:lvl9pPr>
       </a:lstStyle>
       <a:style>
-        <a:lnRef idx="0"/>
-        <a:fillRef idx="0"/>
-        <a:effectRef idx="0"/>
+        <a:lnRef idx="0">
+          <a:scrgbClr r="0" g="0" b="0"/>
+        </a:lnRef>
+        <a:fillRef idx="0">
+          <a:scrgbClr r="0" g="0" b="0"/>
+        </a:fillRef>
+        <a:effectRef idx="0">
+          <a:scrgbClr r="0" g="0" b="0"/>
+        </a:effectRef>
         <a:fontRef idx="none"/>
       </a:style>
     </a:txDef>
   </a:objectDefaults>
+  <a:extraClrSchemeLst/>
 </a:theme>
 </file>